--- a/CastReporting.Reporting.Core/Templates/zh-Hans/Portfolio/Portfolio component library/1- Portfolio-Powerpoint-components-library.pptx
+++ b/CastReporting.Reporting.Core/Templates/zh-Hans/Portfolio/Portfolio component library/1- Portfolio-Powerpoint-components-library.pptx
@@ -8,39 +8,40 @@
     <p:sldMasterId id="2147483692" r:id="rId4"/>
     <p:sldMasterId id="2147483704" r:id="rId5"/>
     <p:sldMasterId id="2147483713" r:id="rId6"/>
+    <p:sldMasterId id="2147483721" r:id="rId7"/>
   </p:sldMasterIdLst>
   <p:notesMasterIdLst>
-    <p:notesMasterId r:id="rId35"/>
+    <p:notesMasterId r:id="rId36"/>
   </p:notesMasterIdLst>
   <p:sldIdLst>
-    <p:sldId id="262" r:id="rId7"/>
-    <p:sldId id="263" r:id="rId8"/>
-    <p:sldId id="264" r:id="rId9"/>
-    <p:sldId id="265" r:id="rId10"/>
-    <p:sldId id="266" r:id="rId11"/>
-    <p:sldId id="267" r:id="rId12"/>
-    <p:sldId id="268" r:id="rId13"/>
-    <p:sldId id="270" r:id="rId14"/>
-    <p:sldId id="271" r:id="rId15"/>
-    <p:sldId id="321" r:id="rId16"/>
-    <p:sldId id="324" r:id="rId17"/>
-    <p:sldId id="338" r:id="rId18"/>
-    <p:sldId id="334" r:id="rId19"/>
-    <p:sldId id="295" r:id="rId20"/>
-    <p:sldId id="276" r:id="rId21"/>
-    <p:sldId id="339" r:id="rId22"/>
-    <p:sldId id="279" r:id="rId23"/>
-    <p:sldId id="331" r:id="rId24"/>
-    <p:sldId id="297" r:id="rId25"/>
-    <p:sldId id="336" r:id="rId26"/>
-    <p:sldId id="294" r:id="rId27"/>
-    <p:sldId id="280" r:id="rId28"/>
-    <p:sldId id="332" r:id="rId29"/>
-    <p:sldId id="303" r:id="rId30"/>
-    <p:sldId id="335" r:id="rId31"/>
-    <p:sldId id="337" r:id="rId32"/>
-    <p:sldId id="333" r:id="rId33"/>
-    <p:sldId id="318" r:id="rId34"/>
+    <p:sldId id="262" r:id="rId8"/>
+    <p:sldId id="263" r:id="rId9"/>
+    <p:sldId id="264" r:id="rId10"/>
+    <p:sldId id="265" r:id="rId11"/>
+    <p:sldId id="266" r:id="rId12"/>
+    <p:sldId id="267" r:id="rId13"/>
+    <p:sldId id="268" r:id="rId14"/>
+    <p:sldId id="270" r:id="rId15"/>
+    <p:sldId id="271" r:id="rId16"/>
+    <p:sldId id="321" r:id="rId17"/>
+    <p:sldId id="324" r:id="rId18"/>
+    <p:sldId id="338" r:id="rId19"/>
+    <p:sldId id="334" r:id="rId20"/>
+    <p:sldId id="295" r:id="rId21"/>
+    <p:sldId id="276" r:id="rId22"/>
+    <p:sldId id="339" r:id="rId23"/>
+    <p:sldId id="279" r:id="rId24"/>
+    <p:sldId id="331" r:id="rId25"/>
+    <p:sldId id="297" r:id="rId26"/>
+    <p:sldId id="336" r:id="rId27"/>
+    <p:sldId id="294" r:id="rId28"/>
+    <p:sldId id="280" r:id="rId29"/>
+    <p:sldId id="332" r:id="rId30"/>
+    <p:sldId id="303" r:id="rId31"/>
+    <p:sldId id="335" r:id="rId32"/>
+    <p:sldId id="337" r:id="rId33"/>
+    <p:sldId id="333" r:id="rId34"/>
+    <p:sldId id="318" r:id="rId35"/>
   </p:sldIdLst>
   <p:sldSz cx="9144000" cy="6858000" type="screen4x3"/>
   <p:notesSz cx="6858000" cy="9144000"/>
@@ -1168,7 +1169,7 @@
                       <a:pPr/>
                       <a:t>[CELLRANGE]</a:t>
                     </a:fld>
-                    <a:endParaRPr lang="en-US"/>
+                    <a:endParaRPr lang="en-IN"/>
                   </a:p>
                 </c:rich>
               </c:tx>
@@ -1205,7 +1206,7 @@
                       <a:pPr/>
                       <a:t>[CELLRANGE]</a:t>
                     </a:fld>
-                    <a:endParaRPr lang="en-US"/>
+                    <a:endParaRPr lang="en-IN"/>
                   </a:p>
                 </c:rich>
               </c:tx>
@@ -1242,7 +1243,7 @@
                       <a:pPr/>
                       <a:t>[CELLRANGE]</a:t>
                     </a:fld>
-                    <a:endParaRPr lang="en-US"/>
+                    <a:endParaRPr lang="en-IN"/>
                   </a:p>
                 </c:rich>
               </c:tx>
@@ -1279,7 +1280,7 @@
                       <a:pPr/>
                       <a:t>[CELLRANGE]</a:t>
                     </a:fld>
-                    <a:endParaRPr lang="en-US"/>
+                    <a:endParaRPr lang="en-IN"/>
                   </a:p>
                 </c:rich>
               </c:tx>
@@ -1316,7 +1317,7 @@
                       <a:pPr/>
                       <a:t>[CELLRANGE]</a:t>
                     </a:fld>
-                    <a:endParaRPr lang="en-US"/>
+                    <a:endParaRPr lang="en-IN"/>
                   </a:p>
                 </c:rich>
               </c:tx>
@@ -1353,7 +1354,7 @@
                       <a:pPr/>
                       <a:t>[CELLRANGE]</a:t>
                     </a:fld>
-                    <a:endParaRPr lang="en-US"/>
+                    <a:endParaRPr lang="en-IN"/>
                   </a:p>
                 </c:rich>
               </c:tx>
@@ -1390,7 +1391,7 @@
                       <a:pPr/>
                       <a:t>[CELLRANGE]</a:t>
                     </a:fld>
-                    <a:endParaRPr lang="en-US"/>
+                    <a:endParaRPr lang="en-IN"/>
                   </a:p>
                 </c:rich>
               </c:tx>
@@ -1427,7 +1428,7 @@
                       <a:pPr/>
                       <a:t>[CELLRANGE]</a:t>
                     </a:fld>
-                    <a:endParaRPr lang="en-US"/>
+                    <a:endParaRPr lang="en-IN"/>
                   </a:p>
                 </c:rich>
               </c:tx>
@@ -1464,7 +1465,7 @@
                       <a:pPr/>
                       <a:t>[CELLRANGE]</a:t>
                     </a:fld>
-                    <a:endParaRPr lang="en-US"/>
+                    <a:endParaRPr lang="en-IN"/>
                   </a:p>
                 </c:rich>
               </c:tx>
@@ -1501,7 +1502,7 @@
                       <a:pPr/>
                       <a:t>[CELLRANGE]</a:t>
                     </a:fld>
-                    <a:endParaRPr lang="en-US"/>
+                    <a:endParaRPr lang="en-IN"/>
                   </a:p>
                 </c:rich>
               </c:tx>
@@ -1538,7 +1539,7 @@
                       <a:pPr/>
                       <a:t>[CELLRANGE]</a:t>
                     </a:fld>
-                    <a:endParaRPr lang="en-US"/>
+                    <a:endParaRPr lang="en-IN"/>
                   </a:p>
                 </c:rich>
               </c:tx>
@@ -1575,7 +1576,7 @@
                       <a:pPr/>
                       <a:t>[CELLRANGE]</a:t>
                     </a:fld>
-                    <a:endParaRPr lang="en-US"/>
+                    <a:endParaRPr lang="en-IN"/>
                   </a:p>
                 </c:rich>
               </c:tx>
@@ -1612,7 +1613,7 @@
                       <a:pPr/>
                       <a:t>[CELLRANGE]</a:t>
                     </a:fld>
-                    <a:endParaRPr lang="en-US"/>
+                    <a:endParaRPr lang="en-IN"/>
                   </a:p>
                 </c:rich>
               </c:tx>
@@ -2574,7 +2575,7 @@
           <a:p>
             <a:fld id="{268042A1-6D91-4513-A62D-1E3FD70C84BE}" type="datetimeFigureOut">
               <a:rPr lang="fr-FR" smtClean="0"/>
-              <a:t>25/10/2021</a:t>
+              <a:t>07/03/2025</a:t>
             </a:fld>
             <a:endParaRPr lang="fr-FR"/>
           </a:p>
@@ -3172,7 +3173,7 @@
             <a:fld id="{D8E3BBD6-5DF7-411E-B793-6A3558CCCDCA}" type="datetimeFigureOut">
               <a:rPr lang="fr-FR" smtClean="0"/>
               <a:pPr/>
-              <a:t>25/10/2021</a:t>
+              <a:t>07/03/2025</a:t>
             </a:fld>
             <a:endParaRPr lang="fr-FR" dirty="0"/>
           </a:p>
@@ -3335,7 +3336,7 @@
             <a:fld id="{D8E3BBD6-5DF7-411E-B793-6A3558CCCDCA}" type="datetimeFigureOut">
               <a:rPr lang="fr-FR" smtClean="0"/>
               <a:pPr/>
-              <a:t>25/10/2021</a:t>
+              <a:t>07/03/2025</a:t>
             </a:fld>
             <a:endParaRPr lang="fr-FR" dirty="0"/>
           </a:p>
@@ -4840,7 +4841,7 @@
             <a:fld id="{D8E3BBD6-5DF7-411E-B793-6A3558CCCDCA}" type="datetimeFigureOut">
               <a:rPr lang="fr-FR" smtClean="0"/>
               <a:pPr/>
-              <a:t>25/10/2021</a:t>
+              <a:t>07/03/2025</a:t>
             </a:fld>
             <a:endParaRPr lang="fr-FR" dirty="0"/>
           </a:p>
@@ -7200,7 +7201,7 @@
             <a:fld id="{D8E3BBD6-5DF7-411E-B793-6A3558CCCDCA}" type="datetimeFigureOut">
               <a:rPr lang="fr-FR" smtClean="0"/>
               <a:pPr/>
-              <a:t>25/10/2021</a:t>
+              <a:t>07/03/2025</a:t>
             </a:fld>
             <a:endParaRPr lang="fr-FR" dirty="0"/>
           </a:p>
@@ -9826,7 +9827,7 @@
             <a:fld id="{D8E3BBD6-5DF7-411E-B793-6A3558CCCDCA}" type="datetimeFigureOut">
               <a:rPr lang="fr-FR" smtClean="0"/>
               <a:pPr/>
-              <a:t>25/10/2021</a:t>
+              <a:t>07/03/2025</a:t>
             </a:fld>
             <a:endParaRPr lang="fr-FR" dirty="0"/>
           </a:p>
@@ -12735,7 +12736,7 @@
             <a:fld id="{D8E3BBD6-5DF7-411E-B793-6A3558CCCDCA}" type="datetimeFigureOut">
               <a:rPr lang="fr-FR" smtClean="0"/>
               <a:pPr/>
-              <a:t>25/10/2021</a:t>
+              <a:t>07/03/2025</a:t>
             </a:fld>
             <a:endParaRPr lang="fr-FR" dirty="0"/>
           </a:p>
@@ -14431,6 +14432,1142 @@
 </p:sldLayout>
 </file>
 
+<file path=ppt/slideLayouts/slideLayout56.xml><?xml version="1.0" encoding="utf-8"?>
+<p:sldLayout xmlns:a="http://schemas.openxmlformats.org/drawingml/2006/main" xmlns:r="http://schemas.openxmlformats.org/officeDocument/2006/relationships" xmlns:p="http://schemas.openxmlformats.org/presentationml/2006/main" type="title">
+  <p:cSld name="Title Dark">
+    <p:spTree>
+      <p:nvGrpSpPr>
+        <p:cNvPr id="1" name=""/>
+        <p:cNvGrpSpPr/>
+        <p:nvPr/>
+      </p:nvGrpSpPr>
+      <p:grpSpPr>
+        <a:xfrm>
+          <a:off x="0" y="0"/>
+          <a:ext cx="0" cy="0"/>
+          <a:chOff x="0" y="0"/>
+          <a:chExt cx="0" cy="0"/>
+        </a:xfrm>
+      </p:grpSpPr>
+      <p:sp>
+        <p:nvSpPr>
+          <p:cNvPr id="4" name="Rectangle 3">
+            <a:extLst>
+              <a:ext uri="{FF2B5EF4-FFF2-40B4-BE49-F238E27FC236}">
+                <a16:creationId xmlns:a16="http://schemas.microsoft.com/office/drawing/2014/main" id="{5CE44F9A-A95C-DF61-904B-07A318C83875}"/>
+              </a:ext>
+            </a:extLst>
+          </p:cNvPr>
+          <p:cNvSpPr/>
+          <p:nvPr/>
+        </p:nvSpPr>
+        <p:spPr>
+          <a:xfrm>
+            <a:off x="1" y="1"/>
+            <a:ext cx="9143999" cy="6857999"/>
+          </a:xfrm>
+          <a:prstGeom prst="rect">
+            <a:avLst/>
+          </a:prstGeom>
+          <a:solidFill>
+            <a:schemeClr val="bg2">
+              <a:lumMod val="10000"/>
+            </a:schemeClr>
+          </a:solidFill>
+          <a:ln>
+            <a:noFill/>
+          </a:ln>
+        </p:spPr>
+        <p:style>
+          <a:lnRef idx="2">
+            <a:schemeClr val="accent1">
+              <a:shade val="15000"/>
+            </a:schemeClr>
+          </a:lnRef>
+          <a:fillRef idx="1">
+            <a:schemeClr val="accent1"/>
+          </a:fillRef>
+          <a:effectRef idx="0">
+            <a:schemeClr val="accent1"/>
+          </a:effectRef>
+          <a:fontRef idx="minor">
+            <a:schemeClr val="lt1"/>
+          </a:fontRef>
+        </p:style>
+        <p:txBody>
+          <a:bodyPr rtlCol="0" anchor="ctr"/>
+          <a:lstStyle/>
+          <a:p>
+            <a:pPr algn="ctr"/>
+            <a:endParaRPr lang="en-US" sz="1350">
+              <a:solidFill>
+                <a:schemeClr val="tx1"/>
+              </a:solidFill>
+            </a:endParaRPr>
+          </a:p>
+        </p:txBody>
+      </p:sp>
+      <p:sp>
+        <p:nvSpPr>
+          <p:cNvPr id="2" name="Title 1">
+            <a:extLst>
+              <a:ext uri="{FF2B5EF4-FFF2-40B4-BE49-F238E27FC236}">
+                <a16:creationId xmlns:a16="http://schemas.microsoft.com/office/drawing/2014/main" id="{E4FFDDC7-E675-01FF-A8A6-85308529992F}"/>
+              </a:ext>
+            </a:extLst>
+          </p:cNvPr>
+          <p:cNvSpPr>
+            <a:spLocks noGrp="1"/>
+          </p:cNvSpPr>
+          <p:nvPr>
+            <p:ph type="ctrTitle"/>
+          </p:nvPr>
+        </p:nvSpPr>
+        <p:spPr>
+          <a:xfrm>
+            <a:off x="376516" y="3872751"/>
+            <a:ext cx="8229600" cy="775439"/>
+          </a:xfrm>
+        </p:spPr>
+        <p:txBody>
+          <a:bodyPr anchor="b">
+            <a:noAutofit/>
+          </a:bodyPr>
+          <a:lstStyle>
+            <a:lvl1pPr algn="l">
+              <a:defRPr sz="3600">
+                <a:solidFill>
+                  <a:schemeClr val="accent3"/>
+                </a:solidFill>
+              </a:defRPr>
+            </a:lvl1pPr>
+          </a:lstStyle>
+          <a:p>
+            <a:r>
+              <a:rPr lang="en-US"/>
+              <a:t>Click to edit Master title style</a:t>
+            </a:r>
+          </a:p>
+        </p:txBody>
+      </p:sp>
+      <p:sp>
+        <p:nvSpPr>
+          <p:cNvPr id="3" name="Subtitle 2">
+            <a:extLst>
+              <a:ext uri="{FF2B5EF4-FFF2-40B4-BE49-F238E27FC236}">
+                <a16:creationId xmlns:a16="http://schemas.microsoft.com/office/drawing/2014/main" id="{231454AC-483A-41CA-AE58-A069420745E4}"/>
+              </a:ext>
+            </a:extLst>
+          </p:cNvPr>
+          <p:cNvSpPr>
+            <a:spLocks noGrp="1"/>
+          </p:cNvSpPr>
+          <p:nvPr>
+            <p:ph type="subTitle" idx="1"/>
+          </p:nvPr>
+        </p:nvSpPr>
+        <p:spPr>
+          <a:xfrm>
+            <a:off x="376516" y="4724388"/>
+            <a:ext cx="8229600" cy="721662"/>
+          </a:xfrm>
+        </p:spPr>
+        <p:txBody>
+          <a:bodyPr>
+            <a:noAutofit/>
+          </a:bodyPr>
+          <a:lstStyle>
+            <a:lvl1pPr marL="0" indent="0" algn="l">
+              <a:buNone/>
+              <a:defRPr sz="2700">
+                <a:solidFill>
+                  <a:schemeClr val="bg2"/>
+                </a:solidFill>
+                <a:latin typeface="+mj-lt"/>
+              </a:defRPr>
+            </a:lvl1pPr>
+            <a:lvl2pPr marL="342900" indent="0" algn="ctr">
+              <a:buNone/>
+              <a:defRPr sz="1500"/>
+            </a:lvl2pPr>
+            <a:lvl3pPr marL="685800" indent="0" algn="ctr">
+              <a:buNone/>
+              <a:defRPr sz="1350"/>
+            </a:lvl3pPr>
+            <a:lvl4pPr marL="1028700" indent="0" algn="ctr">
+              <a:buNone/>
+              <a:defRPr sz="1200"/>
+            </a:lvl4pPr>
+            <a:lvl5pPr marL="1371600" indent="0" algn="ctr">
+              <a:buNone/>
+              <a:defRPr sz="1200"/>
+            </a:lvl5pPr>
+            <a:lvl6pPr marL="1714500" indent="0" algn="ctr">
+              <a:buNone/>
+              <a:defRPr sz="1200"/>
+            </a:lvl6pPr>
+            <a:lvl7pPr marL="2057400" indent="0" algn="ctr">
+              <a:buNone/>
+              <a:defRPr sz="1200"/>
+            </a:lvl7pPr>
+            <a:lvl8pPr marL="2400300" indent="0" algn="ctr">
+              <a:buNone/>
+              <a:defRPr sz="1200"/>
+            </a:lvl8pPr>
+            <a:lvl9pPr marL="2743200" indent="0" algn="ctr">
+              <a:buNone/>
+              <a:defRPr sz="1200"/>
+            </a:lvl9pPr>
+          </a:lstStyle>
+          <a:p>
+            <a:r>
+              <a:rPr lang="en-US"/>
+              <a:t>Click to edit Master subtitle style</a:t>
+            </a:r>
+          </a:p>
+        </p:txBody>
+      </p:sp>
+      <p:pic>
+        <p:nvPicPr>
+          <p:cNvPr id="6" name="Graphic 5">
+            <a:extLst>
+              <a:ext uri="{FF2B5EF4-FFF2-40B4-BE49-F238E27FC236}">
+                <a16:creationId xmlns:a16="http://schemas.microsoft.com/office/drawing/2014/main" id="{E459322C-E5B5-8F70-4201-A15F5434CDDB}"/>
+              </a:ext>
+            </a:extLst>
+          </p:cNvPr>
+          <p:cNvPicPr>
+            <a:picLocks noChangeAspect="1"/>
+          </p:cNvPicPr>
+          <p:nvPr/>
+        </p:nvPicPr>
+        <p:blipFill>
+          <a:blip r:embed="rId2">
+            <a:extLst>
+              <a:ext uri="{96DAC541-7B7A-43D3-8B79-37D633B846F1}">
+                <asvg:svgBlip xmlns:asvg="http://schemas.microsoft.com/office/drawing/2016/SVG/main" r:embed="rId3"/>
+              </a:ext>
+            </a:extLst>
+          </a:blip>
+          <a:stretch>
+            <a:fillRect/>
+          </a:stretch>
+        </p:blipFill>
+        <p:spPr>
+          <a:xfrm>
+            <a:off x="470641" y="730693"/>
+            <a:ext cx="803231" cy="232938"/>
+          </a:xfrm>
+          <a:prstGeom prst="rect">
+            <a:avLst/>
+          </a:prstGeom>
+        </p:spPr>
+      </p:pic>
+    </p:spTree>
+    <p:extLst>
+      <p:ext uri="{BB962C8B-B14F-4D97-AF65-F5344CB8AC3E}">
+        <p14:creationId xmlns:p14="http://schemas.microsoft.com/office/powerpoint/2010/main" val="4044531701"/>
+      </p:ext>
+    </p:extLst>
+  </p:cSld>
+  <p:clrMapOvr>
+    <a:masterClrMapping/>
+  </p:clrMapOvr>
+  <p:hf hdr="0" ftr="0" dt="0"/>
+</p:sldLayout>
+</file>
+
+<file path=ppt/slideLayouts/slideLayout57.xml><?xml version="1.0" encoding="utf-8"?>
+<p:sldLayout xmlns:a="http://schemas.openxmlformats.org/drawingml/2006/main" xmlns:r="http://schemas.openxmlformats.org/officeDocument/2006/relationships" xmlns:p="http://schemas.openxmlformats.org/presentationml/2006/main" type="obj" preserve="1">
+  <p:cSld name="Standard White">
+    <p:spTree>
+      <p:nvGrpSpPr>
+        <p:cNvPr id="1" name=""/>
+        <p:cNvGrpSpPr/>
+        <p:nvPr/>
+      </p:nvGrpSpPr>
+      <p:grpSpPr>
+        <a:xfrm>
+          <a:off x="0" y="0"/>
+          <a:ext cx="0" cy="0"/>
+          <a:chOff x="0" y="0"/>
+          <a:chExt cx="0" cy="0"/>
+        </a:xfrm>
+      </p:grpSpPr>
+      <p:sp>
+        <p:nvSpPr>
+          <p:cNvPr id="2" name="Title 1">
+            <a:extLst>
+              <a:ext uri="{FF2B5EF4-FFF2-40B4-BE49-F238E27FC236}">
+                <a16:creationId xmlns:a16="http://schemas.microsoft.com/office/drawing/2014/main" id="{564E153F-07E7-BA90-E01A-DF249D907F62}"/>
+              </a:ext>
+            </a:extLst>
+          </p:cNvPr>
+          <p:cNvSpPr>
+            <a:spLocks noGrp="1"/>
+          </p:cNvSpPr>
+          <p:nvPr>
+            <p:ph type="title"/>
+          </p:nvPr>
+        </p:nvSpPr>
+        <p:spPr/>
+        <p:txBody>
+          <a:bodyPr/>
+          <a:lstStyle/>
+          <a:p>
+            <a:r>
+              <a:rPr lang="en-US"/>
+              <a:t>Click to edit Master title style</a:t>
+            </a:r>
+          </a:p>
+        </p:txBody>
+      </p:sp>
+      <p:sp>
+        <p:nvSpPr>
+          <p:cNvPr id="3" name="Content Placeholder 2">
+            <a:extLst>
+              <a:ext uri="{FF2B5EF4-FFF2-40B4-BE49-F238E27FC236}">
+                <a16:creationId xmlns:a16="http://schemas.microsoft.com/office/drawing/2014/main" id="{060E82FB-A63F-021B-50F1-25582ACCA05E}"/>
+              </a:ext>
+            </a:extLst>
+          </p:cNvPr>
+          <p:cNvSpPr>
+            <a:spLocks noGrp="1"/>
+          </p:cNvSpPr>
+          <p:nvPr>
+            <p:ph idx="1"/>
+          </p:nvPr>
+        </p:nvSpPr>
+        <p:spPr/>
+        <p:txBody>
+          <a:bodyPr/>
+          <a:lstStyle>
+            <a:lvl2pPr marL="215504" indent="-175022">
+              <a:defRPr/>
+            </a:lvl2pPr>
+          </a:lstStyle>
+          <a:p>
+            <a:pPr lvl="0"/>
+            <a:r>
+              <a:rPr lang="en-US"/>
+              <a:t>Click to edit Master text styles</a:t>
+            </a:r>
+          </a:p>
+          <a:p>
+            <a:pPr lvl="1"/>
+            <a:r>
+              <a:rPr lang="en-US"/>
+              <a:t>Second level</a:t>
+            </a:r>
+          </a:p>
+          <a:p>
+            <a:pPr lvl="2"/>
+            <a:r>
+              <a:rPr lang="en-US"/>
+              <a:t>Third level</a:t>
+            </a:r>
+          </a:p>
+        </p:txBody>
+      </p:sp>
+      <p:sp>
+        <p:nvSpPr>
+          <p:cNvPr id="4" name="Date Placeholder 3">
+            <a:extLst>
+              <a:ext uri="{FF2B5EF4-FFF2-40B4-BE49-F238E27FC236}">
+                <a16:creationId xmlns:a16="http://schemas.microsoft.com/office/drawing/2014/main" id="{79A42950-704B-22AC-BBA3-8E22DA8F2887}"/>
+              </a:ext>
+            </a:extLst>
+          </p:cNvPr>
+          <p:cNvSpPr>
+            <a:spLocks noGrp="1"/>
+          </p:cNvSpPr>
+          <p:nvPr>
+            <p:ph type="dt" sz="half" idx="10"/>
+          </p:nvPr>
+        </p:nvSpPr>
+        <p:spPr/>
+        <p:txBody>
+          <a:bodyPr/>
+          <a:lstStyle/>
+          <a:p>
+            <a:fld id="{0854FD82-FA21-482B-A0EB-146017B879AB}" type="datetime1">
+              <a:rPr lang="en-US" smtClean="0"/>
+              <a:t>3/7/2025</a:t>
+            </a:fld>
+            <a:endParaRPr lang="en-US"/>
+          </a:p>
+        </p:txBody>
+      </p:sp>
+      <p:sp>
+        <p:nvSpPr>
+          <p:cNvPr id="5" name="Footer Placeholder 4">
+            <a:extLst>
+              <a:ext uri="{FF2B5EF4-FFF2-40B4-BE49-F238E27FC236}">
+                <a16:creationId xmlns:a16="http://schemas.microsoft.com/office/drawing/2014/main" id="{0D6AB9B8-DEE6-E879-D221-ED4EE0E65E6E}"/>
+              </a:ext>
+            </a:extLst>
+          </p:cNvPr>
+          <p:cNvSpPr>
+            <a:spLocks noGrp="1"/>
+          </p:cNvSpPr>
+          <p:nvPr>
+            <p:ph type="ftr" sz="quarter" idx="11"/>
+          </p:nvPr>
+        </p:nvSpPr>
+        <p:spPr/>
+        <p:txBody>
+          <a:bodyPr/>
+          <a:lstStyle/>
+          <a:p>
+            <a:r>
+              <a:rPr lang="en-US"/>
+              <a:t>Footer</a:t>
+            </a:r>
+          </a:p>
+        </p:txBody>
+      </p:sp>
+      <p:sp>
+        <p:nvSpPr>
+          <p:cNvPr id="6" name="Slide Number Placeholder 5">
+            <a:extLst>
+              <a:ext uri="{FF2B5EF4-FFF2-40B4-BE49-F238E27FC236}">
+                <a16:creationId xmlns:a16="http://schemas.microsoft.com/office/drawing/2014/main" id="{E459AFEB-CC0E-2142-80ED-0F97D832E8CA}"/>
+              </a:ext>
+            </a:extLst>
+          </p:cNvPr>
+          <p:cNvSpPr>
+            <a:spLocks noGrp="1"/>
+          </p:cNvSpPr>
+          <p:nvPr>
+            <p:ph type="sldNum" sz="quarter" idx="12"/>
+          </p:nvPr>
+        </p:nvSpPr>
+        <p:spPr>
+          <a:xfrm>
+            <a:off x="6851276" y="6096371"/>
+            <a:ext cx="1909484" cy="365125"/>
+          </a:xfrm>
+        </p:spPr>
+        <p:txBody>
+          <a:bodyPr/>
+          <a:lstStyle/>
+          <a:p>
+            <a:pPr>
+              <a:buClr>
+                <a:prstClr val="black"/>
+              </a:buClr>
+            </a:pPr>
+            <a:fld id="{8022235C-F2BB-49F2-A307-DAF5D2C4A06C}" type="slidenum">
+              <a:rPr lang="en-US" smtClean="0">
+                <a:solidFill>
+                  <a:srgbClr val="000000">
+                    <a:lumMod val="65000"/>
+                    <a:lumOff val="35000"/>
+                  </a:srgbClr>
+                </a:solidFill>
+                <a:cs typeface="+mn-cs"/>
+              </a:rPr>
+              <a:pPr>
+                <a:buClr>
+                  <a:prstClr val="black"/>
+                </a:buClr>
+              </a:pPr>
+              <a:t>‹#›</a:t>
+            </a:fld>
+            <a:endParaRPr lang="en-US" dirty="0">
+              <a:solidFill>
+                <a:srgbClr val="000000">
+                  <a:lumMod val="65000"/>
+                  <a:lumOff val="35000"/>
+                </a:srgbClr>
+              </a:solidFill>
+              <a:cs typeface="+mn-cs"/>
+            </a:endParaRPr>
+          </a:p>
+        </p:txBody>
+      </p:sp>
+      <p:pic>
+        <p:nvPicPr>
+          <p:cNvPr id="7" name="Graphic 6">
+            <a:extLst>
+              <a:ext uri="{FF2B5EF4-FFF2-40B4-BE49-F238E27FC236}">
+                <a16:creationId xmlns:a16="http://schemas.microsoft.com/office/drawing/2014/main" id="{810AB58F-5C81-F586-4AC1-94D12E690CF6}"/>
+              </a:ext>
+            </a:extLst>
+          </p:cNvPr>
+          <p:cNvPicPr>
+            <a:picLocks noChangeAspect="1"/>
+          </p:cNvPicPr>
+          <p:nvPr/>
+        </p:nvPicPr>
+        <p:blipFill>
+          <a:blip r:embed="rId2">
+            <a:extLst>
+              <a:ext uri="{96DAC541-7B7A-43D3-8B79-37D633B846F1}">
+                <asvg:svgBlip xmlns:asvg="http://schemas.microsoft.com/office/drawing/2016/SVG/main" r:embed="rId3"/>
+              </a:ext>
+            </a:extLst>
+          </a:blip>
+          <a:stretch>
+            <a:fillRect/>
+          </a:stretch>
+        </p:blipFill>
+        <p:spPr>
+          <a:xfrm>
+            <a:off x="460569" y="6213462"/>
+            <a:ext cx="513374" cy="148879"/>
+          </a:xfrm>
+          <a:prstGeom prst="rect">
+            <a:avLst/>
+          </a:prstGeom>
+        </p:spPr>
+      </p:pic>
+    </p:spTree>
+    <p:extLst>
+      <p:ext uri="{BB962C8B-B14F-4D97-AF65-F5344CB8AC3E}">
+        <p14:creationId xmlns:p14="http://schemas.microsoft.com/office/powerpoint/2010/main" val="2763733432"/>
+      </p:ext>
+    </p:extLst>
+  </p:cSld>
+  <p:clrMapOvr>
+    <a:masterClrMapping/>
+  </p:clrMapOvr>
+  <p:hf hdr="0" ftr="0" dt="0"/>
+</p:sldLayout>
+</file>
+
+<file path=ppt/slideLayouts/slideLayout58.xml><?xml version="1.0" encoding="utf-8"?>
+<p:sldLayout xmlns:a="http://schemas.openxmlformats.org/drawingml/2006/main" xmlns:r="http://schemas.openxmlformats.org/officeDocument/2006/relationships" xmlns:p="http://schemas.openxmlformats.org/presentationml/2006/main" preserve="1">
+  <p:cSld name="Standard Illuminated">
+    <p:spTree>
+      <p:nvGrpSpPr>
+        <p:cNvPr id="1" name=""/>
+        <p:cNvGrpSpPr/>
+        <p:nvPr/>
+      </p:nvGrpSpPr>
+      <p:grpSpPr>
+        <a:xfrm>
+          <a:off x="0" y="0"/>
+          <a:ext cx="0" cy="0"/>
+          <a:chOff x="0" y="0"/>
+          <a:chExt cx="0" cy="0"/>
+        </a:xfrm>
+      </p:grpSpPr>
+      <p:pic>
+        <p:nvPicPr>
+          <p:cNvPr id="16" name="Picture 15">
+            <a:extLst>
+              <a:ext uri="{FF2B5EF4-FFF2-40B4-BE49-F238E27FC236}">
+                <a16:creationId xmlns:a16="http://schemas.microsoft.com/office/drawing/2014/main" id="{5C036D0A-D47E-A730-AFAD-0CBE924CE1F5}"/>
+              </a:ext>
+            </a:extLst>
+          </p:cNvPr>
+          <p:cNvPicPr>
+            <a:picLocks noChangeAspect="1"/>
+          </p:cNvPicPr>
+          <p:nvPr/>
+        </p:nvPicPr>
+        <p:blipFill>
+          <a:blip r:embed="rId2" cstate="screen">
+            <a:extLst>
+              <a:ext uri="{28A0092B-C50C-407E-A947-70E740481C1C}">
+                <a14:useLocalDpi xmlns:a14="http://schemas.microsoft.com/office/drawing/2010/main"/>
+              </a:ext>
+            </a:extLst>
+          </a:blip>
+          <a:srcRect/>
+          <a:stretch/>
+        </p:blipFill>
+        <p:spPr>
+          <a:xfrm>
+            <a:off x="0" y="5717310"/>
+            <a:ext cx="9144000" cy="1140691"/>
+          </a:xfrm>
+          <a:prstGeom prst="rect">
+            <a:avLst/>
+          </a:prstGeom>
+        </p:spPr>
+      </p:pic>
+      <p:pic>
+        <p:nvPicPr>
+          <p:cNvPr id="13" name="Picture 12" descr="A white and purple background&#10;&#10;Description automatically generated">
+            <a:extLst>
+              <a:ext uri="{FF2B5EF4-FFF2-40B4-BE49-F238E27FC236}">
+                <a16:creationId xmlns:a16="http://schemas.microsoft.com/office/drawing/2014/main" id="{35BF82A6-1D03-1164-4411-55879AB032AB}"/>
+              </a:ext>
+            </a:extLst>
+          </p:cNvPr>
+          <p:cNvPicPr>
+            <a:picLocks noChangeAspect="1"/>
+          </p:cNvPicPr>
+          <p:nvPr/>
+        </p:nvPicPr>
+        <p:blipFill>
+          <a:blip r:embed="rId3" cstate="print">
+            <a:alphaModFix amt="25000"/>
+            <a:extLst>
+              <a:ext uri="{28A0092B-C50C-407E-A947-70E740481C1C}">
+                <a14:useLocalDpi xmlns:a14="http://schemas.microsoft.com/office/drawing/2010/main"/>
+              </a:ext>
+            </a:extLst>
+          </a:blip>
+          <a:srcRect/>
+          <a:stretch/>
+        </p:blipFill>
+        <p:spPr>
+          <a:xfrm>
+            <a:off x="0" y="0"/>
+            <a:ext cx="9141437" cy="1604682"/>
+          </a:xfrm>
+          <a:prstGeom prst="rect">
+            <a:avLst/>
+          </a:prstGeom>
+        </p:spPr>
+      </p:pic>
+      <p:sp>
+        <p:nvSpPr>
+          <p:cNvPr id="2" name="Title 1">
+            <a:extLst>
+              <a:ext uri="{FF2B5EF4-FFF2-40B4-BE49-F238E27FC236}">
+                <a16:creationId xmlns:a16="http://schemas.microsoft.com/office/drawing/2014/main" id="{564E153F-07E7-BA90-E01A-DF249D907F62}"/>
+              </a:ext>
+            </a:extLst>
+          </p:cNvPr>
+          <p:cNvSpPr>
+            <a:spLocks noGrp="1"/>
+          </p:cNvSpPr>
+          <p:nvPr>
+            <p:ph type="title"/>
+          </p:nvPr>
+        </p:nvSpPr>
+        <p:spPr/>
+        <p:txBody>
+          <a:bodyPr/>
+          <a:lstStyle/>
+          <a:p>
+            <a:r>
+              <a:rPr lang="en-US"/>
+              <a:t>Click to edit Master title style</a:t>
+            </a:r>
+          </a:p>
+        </p:txBody>
+      </p:sp>
+      <p:sp>
+        <p:nvSpPr>
+          <p:cNvPr id="3" name="Content Placeholder 2">
+            <a:extLst>
+              <a:ext uri="{FF2B5EF4-FFF2-40B4-BE49-F238E27FC236}">
+                <a16:creationId xmlns:a16="http://schemas.microsoft.com/office/drawing/2014/main" id="{060E82FB-A63F-021B-50F1-25582ACCA05E}"/>
+              </a:ext>
+            </a:extLst>
+          </p:cNvPr>
+          <p:cNvSpPr>
+            <a:spLocks noGrp="1"/>
+          </p:cNvSpPr>
+          <p:nvPr>
+            <p:ph idx="1"/>
+          </p:nvPr>
+        </p:nvSpPr>
+        <p:spPr/>
+        <p:txBody>
+          <a:bodyPr/>
+          <a:lstStyle>
+            <a:lvl2pPr marL="215504" indent="-175022">
+              <a:defRPr/>
+            </a:lvl2pPr>
+          </a:lstStyle>
+          <a:p>
+            <a:pPr lvl="0"/>
+            <a:r>
+              <a:rPr lang="en-US"/>
+              <a:t>Click to edit Master text styles</a:t>
+            </a:r>
+          </a:p>
+          <a:p>
+            <a:pPr lvl="1"/>
+            <a:r>
+              <a:rPr lang="en-US"/>
+              <a:t>Second level</a:t>
+            </a:r>
+          </a:p>
+          <a:p>
+            <a:pPr lvl="2"/>
+            <a:r>
+              <a:rPr lang="en-US"/>
+              <a:t>Third level</a:t>
+            </a:r>
+          </a:p>
+        </p:txBody>
+      </p:sp>
+      <p:sp>
+        <p:nvSpPr>
+          <p:cNvPr id="4" name="Date Placeholder 3">
+            <a:extLst>
+              <a:ext uri="{FF2B5EF4-FFF2-40B4-BE49-F238E27FC236}">
+                <a16:creationId xmlns:a16="http://schemas.microsoft.com/office/drawing/2014/main" id="{79A42950-704B-22AC-BBA3-8E22DA8F2887}"/>
+              </a:ext>
+            </a:extLst>
+          </p:cNvPr>
+          <p:cNvSpPr>
+            <a:spLocks noGrp="1"/>
+          </p:cNvSpPr>
+          <p:nvPr>
+            <p:ph type="dt" sz="half" idx="10"/>
+          </p:nvPr>
+        </p:nvSpPr>
+        <p:spPr/>
+        <p:txBody>
+          <a:bodyPr/>
+          <a:lstStyle/>
+          <a:p>
+            <a:fld id="{B9937407-FC6A-49A7-9A6E-819574C5826F}" type="datetime1">
+              <a:rPr lang="en-US" smtClean="0"/>
+              <a:t>3/7/2025</a:t>
+            </a:fld>
+            <a:endParaRPr lang="en-US"/>
+          </a:p>
+        </p:txBody>
+      </p:sp>
+      <p:sp>
+        <p:nvSpPr>
+          <p:cNvPr id="5" name="Footer Placeholder 4">
+            <a:extLst>
+              <a:ext uri="{FF2B5EF4-FFF2-40B4-BE49-F238E27FC236}">
+                <a16:creationId xmlns:a16="http://schemas.microsoft.com/office/drawing/2014/main" id="{0D6AB9B8-DEE6-E879-D221-ED4EE0E65E6E}"/>
+              </a:ext>
+            </a:extLst>
+          </p:cNvPr>
+          <p:cNvSpPr>
+            <a:spLocks noGrp="1"/>
+          </p:cNvSpPr>
+          <p:nvPr>
+            <p:ph type="ftr" sz="quarter" idx="11"/>
+          </p:nvPr>
+        </p:nvSpPr>
+        <p:spPr/>
+        <p:txBody>
+          <a:bodyPr/>
+          <a:lstStyle/>
+          <a:p>
+            <a:r>
+              <a:rPr lang="en-US"/>
+              <a:t>Footer</a:t>
+            </a:r>
+          </a:p>
+        </p:txBody>
+      </p:sp>
+      <p:sp>
+        <p:nvSpPr>
+          <p:cNvPr id="6" name="Slide Number Placeholder 5">
+            <a:extLst>
+              <a:ext uri="{FF2B5EF4-FFF2-40B4-BE49-F238E27FC236}">
+                <a16:creationId xmlns:a16="http://schemas.microsoft.com/office/drawing/2014/main" id="{E459AFEB-CC0E-2142-80ED-0F97D832E8CA}"/>
+              </a:ext>
+            </a:extLst>
+          </p:cNvPr>
+          <p:cNvSpPr>
+            <a:spLocks noGrp="1"/>
+          </p:cNvSpPr>
+          <p:nvPr>
+            <p:ph type="sldNum" sz="quarter" idx="12"/>
+          </p:nvPr>
+        </p:nvSpPr>
+        <p:spPr>
+          <a:xfrm>
+            <a:off x="6858000" y="6096127"/>
+            <a:ext cx="1902760" cy="365125"/>
+          </a:xfrm>
+        </p:spPr>
+        <p:txBody>
+          <a:bodyPr/>
+          <a:lstStyle/>
+          <a:p>
+            <a:pPr>
+              <a:buClr>
+                <a:prstClr val="black"/>
+              </a:buClr>
+            </a:pPr>
+            <a:fld id="{8022235C-F2BB-49F2-A307-DAF5D2C4A06C}" type="slidenum">
+              <a:rPr lang="en-US" smtClean="0">
+                <a:solidFill>
+                  <a:srgbClr val="000000">
+                    <a:lumMod val="65000"/>
+                    <a:lumOff val="35000"/>
+                  </a:srgbClr>
+                </a:solidFill>
+                <a:cs typeface="+mn-cs"/>
+              </a:rPr>
+              <a:pPr>
+                <a:buClr>
+                  <a:prstClr val="black"/>
+                </a:buClr>
+              </a:pPr>
+              <a:t>‹#›</a:t>
+            </a:fld>
+            <a:endParaRPr lang="en-US" dirty="0">
+              <a:solidFill>
+                <a:srgbClr val="000000">
+                  <a:lumMod val="65000"/>
+                  <a:lumOff val="35000"/>
+                </a:srgbClr>
+              </a:solidFill>
+              <a:cs typeface="+mn-cs"/>
+            </a:endParaRPr>
+          </a:p>
+        </p:txBody>
+      </p:sp>
+      <p:pic>
+        <p:nvPicPr>
+          <p:cNvPr id="8" name="Graphic 7">
+            <a:extLst>
+              <a:ext uri="{FF2B5EF4-FFF2-40B4-BE49-F238E27FC236}">
+                <a16:creationId xmlns:a16="http://schemas.microsoft.com/office/drawing/2014/main" id="{6CEBFC4F-340F-FB18-3655-3E82EC893F84}"/>
+              </a:ext>
+            </a:extLst>
+          </p:cNvPr>
+          <p:cNvPicPr>
+            <a:picLocks noChangeAspect="1"/>
+          </p:cNvPicPr>
+          <p:nvPr/>
+        </p:nvPicPr>
+        <p:blipFill>
+          <a:blip r:embed="rId4">
+            <a:extLst>
+              <a:ext uri="{96DAC541-7B7A-43D3-8B79-37D633B846F1}">
+                <asvg:svgBlip xmlns:asvg="http://schemas.microsoft.com/office/drawing/2016/SVG/main" r:embed="rId5"/>
+              </a:ext>
+            </a:extLst>
+          </a:blip>
+          <a:stretch>
+            <a:fillRect/>
+          </a:stretch>
+        </p:blipFill>
+        <p:spPr>
+          <a:xfrm>
+            <a:off x="460569" y="6213462"/>
+            <a:ext cx="513374" cy="148879"/>
+          </a:xfrm>
+          <a:prstGeom prst="rect">
+            <a:avLst/>
+          </a:prstGeom>
+        </p:spPr>
+      </p:pic>
+    </p:spTree>
+    <p:extLst>
+      <p:ext uri="{BB962C8B-B14F-4D97-AF65-F5344CB8AC3E}">
+        <p14:creationId xmlns:p14="http://schemas.microsoft.com/office/powerpoint/2010/main" val="1392201945"/>
+      </p:ext>
+    </p:extLst>
+  </p:cSld>
+  <p:clrMapOvr>
+    <a:masterClrMapping/>
+  </p:clrMapOvr>
+  <p:hf hdr="0" ftr="0" dt="0"/>
+</p:sldLayout>
+</file>
+
+<file path=ppt/slideLayouts/slideLayout59.xml><?xml version="1.0" encoding="utf-8"?>
+<p:sldLayout xmlns:a="http://schemas.openxmlformats.org/drawingml/2006/main" xmlns:r="http://schemas.openxmlformats.org/officeDocument/2006/relationships" xmlns:p="http://schemas.openxmlformats.org/presentationml/2006/main" type="obj" preserve="1">
+  <p:cSld name="Standard Matte">
+    <p:spTree>
+      <p:nvGrpSpPr>
+        <p:cNvPr id="1" name=""/>
+        <p:cNvGrpSpPr/>
+        <p:nvPr/>
+      </p:nvGrpSpPr>
+      <p:grpSpPr>
+        <a:xfrm>
+          <a:off x="0" y="0"/>
+          <a:ext cx="0" cy="0"/>
+          <a:chOff x="0" y="0"/>
+          <a:chExt cx="0" cy="0"/>
+        </a:xfrm>
+      </p:grpSpPr>
+      <p:sp>
+        <p:nvSpPr>
+          <p:cNvPr id="7" name="Rectangle 6">
+            <a:extLst>
+              <a:ext uri="{FF2B5EF4-FFF2-40B4-BE49-F238E27FC236}">
+                <a16:creationId xmlns:a16="http://schemas.microsoft.com/office/drawing/2014/main" id="{109EA606-70DE-2D82-923A-2DC43B5BA3B9}"/>
+              </a:ext>
+            </a:extLst>
+          </p:cNvPr>
+          <p:cNvSpPr/>
+          <p:nvPr/>
+        </p:nvSpPr>
+        <p:spPr>
+          <a:xfrm>
+            <a:off x="0" y="0"/>
+            <a:ext cx="9144000" cy="6858000"/>
+          </a:xfrm>
+          <a:prstGeom prst="rect">
+            <a:avLst/>
+          </a:prstGeom>
+          <a:solidFill>
+            <a:srgbClr val="F7F8FF"/>
+          </a:solidFill>
+          <a:ln>
+            <a:noFill/>
+          </a:ln>
+        </p:spPr>
+        <p:style>
+          <a:lnRef idx="2">
+            <a:schemeClr val="accent1">
+              <a:shade val="50000"/>
+            </a:schemeClr>
+          </a:lnRef>
+          <a:fillRef idx="1">
+            <a:schemeClr val="accent1"/>
+          </a:fillRef>
+          <a:effectRef idx="0">
+            <a:schemeClr val="accent1"/>
+          </a:effectRef>
+          <a:fontRef idx="minor">
+            <a:schemeClr val="lt1"/>
+          </a:fontRef>
+        </p:style>
+        <p:txBody>
+          <a:bodyPr rtlCol="0" anchor="ctr"/>
+          <a:lstStyle/>
+          <a:p>
+            <a:pPr algn="ctr"/>
+            <a:endParaRPr lang="en-US" sz="1350"/>
+          </a:p>
+        </p:txBody>
+      </p:sp>
+      <p:sp>
+        <p:nvSpPr>
+          <p:cNvPr id="2" name="Title 1">
+            <a:extLst>
+              <a:ext uri="{FF2B5EF4-FFF2-40B4-BE49-F238E27FC236}">
+                <a16:creationId xmlns:a16="http://schemas.microsoft.com/office/drawing/2014/main" id="{564E153F-07E7-BA90-E01A-DF249D907F62}"/>
+              </a:ext>
+            </a:extLst>
+          </p:cNvPr>
+          <p:cNvSpPr>
+            <a:spLocks noGrp="1"/>
+          </p:cNvSpPr>
+          <p:nvPr>
+            <p:ph type="title"/>
+          </p:nvPr>
+        </p:nvSpPr>
+        <p:spPr/>
+        <p:txBody>
+          <a:bodyPr/>
+          <a:lstStyle/>
+          <a:p>
+            <a:r>
+              <a:rPr lang="en-US"/>
+              <a:t>Click to edit Master title style</a:t>
+            </a:r>
+          </a:p>
+        </p:txBody>
+      </p:sp>
+      <p:sp>
+        <p:nvSpPr>
+          <p:cNvPr id="3" name="Content Placeholder 2">
+            <a:extLst>
+              <a:ext uri="{FF2B5EF4-FFF2-40B4-BE49-F238E27FC236}">
+                <a16:creationId xmlns:a16="http://schemas.microsoft.com/office/drawing/2014/main" id="{060E82FB-A63F-021B-50F1-25582ACCA05E}"/>
+              </a:ext>
+            </a:extLst>
+          </p:cNvPr>
+          <p:cNvSpPr>
+            <a:spLocks noGrp="1"/>
+          </p:cNvSpPr>
+          <p:nvPr>
+            <p:ph idx="1"/>
+          </p:nvPr>
+        </p:nvSpPr>
+        <p:spPr/>
+        <p:txBody>
+          <a:bodyPr/>
+          <a:lstStyle/>
+          <a:p>
+            <a:pPr lvl="0"/>
+            <a:r>
+              <a:rPr lang="en-US"/>
+              <a:t>Click to edit Master text styles</a:t>
+            </a:r>
+          </a:p>
+          <a:p>
+            <a:pPr lvl="1"/>
+            <a:r>
+              <a:rPr lang="en-US"/>
+              <a:t>Second level</a:t>
+            </a:r>
+          </a:p>
+          <a:p>
+            <a:pPr lvl="2"/>
+            <a:r>
+              <a:rPr lang="en-US"/>
+              <a:t>Third level</a:t>
+            </a:r>
+          </a:p>
+        </p:txBody>
+      </p:sp>
+      <p:sp>
+        <p:nvSpPr>
+          <p:cNvPr id="4" name="Date Placeholder 3">
+            <a:extLst>
+              <a:ext uri="{FF2B5EF4-FFF2-40B4-BE49-F238E27FC236}">
+                <a16:creationId xmlns:a16="http://schemas.microsoft.com/office/drawing/2014/main" id="{79A42950-704B-22AC-BBA3-8E22DA8F2887}"/>
+              </a:ext>
+            </a:extLst>
+          </p:cNvPr>
+          <p:cNvSpPr>
+            <a:spLocks noGrp="1"/>
+          </p:cNvSpPr>
+          <p:nvPr>
+            <p:ph type="dt" sz="half" idx="10"/>
+          </p:nvPr>
+        </p:nvSpPr>
+        <p:spPr/>
+        <p:txBody>
+          <a:bodyPr/>
+          <a:lstStyle/>
+          <a:p>
+            <a:fld id="{5BA34687-49FA-47D2-ACE8-EA09C206143D}" type="datetime1">
+              <a:rPr lang="en-US" smtClean="0"/>
+              <a:t>3/7/2025</a:t>
+            </a:fld>
+            <a:endParaRPr lang="en-US"/>
+          </a:p>
+        </p:txBody>
+      </p:sp>
+      <p:sp>
+        <p:nvSpPr>
+          <p:cNvPr id="5" name="Footer Placeholder 4">
+            <a:extLst>
+              <a:ext uri="{FF2B5EF4-FFF2-40B4-BE49-F238E27FC236}">
+                <a16:creationId xmlns:a16="http://schemas.microsoft.com/office/drawing/2014/main" id="{0D6AB9B8-DEE6-E879-D221-ED4EE0E65E6E}"/>
+              </a:ext>
+            </a:extLst>
+          </p:cNvPr>
+          <p:cNvSpPr>
+            <a:spLocks noGrp="1"/>
+          </p:cNvSpPr>
+          <p:nvPr>
+            <p:ph type="ftr" sz="quarter" idx="11"/>
+          </p:nvPr>
+        </p:nvSpPr>
+        <p:spPr/>
+        <p:txBody>
+          <a:bodyPr/>
+          <a:lstStyle/>
+          <a:p>
+            <a:r>
+              <a:rPr lang="en-US"/>
+              <a:t>Footer</a:t>
+            </a:r>
+          </a:p>
+        </p:txBody>
+      </p:sp>
+      <p:sp>
+        <p:nvSpPr>
+          <p:cNvPr id="6" name="Slide Number Placeholder 5">
+            <a:extLst>
+              <a:ext uri="{FF2B5EF4-FFF2-40B4-BE49-F238E27FC236}">
+                <a16:creationId xmlns:a16="http://schemas.microsoft.com/office/drawing/2014/main" id="{E459AFEB-CC0E-2142-80ED-0F97D832E8CA}"/>
+              </a:ext>
+            </a:extLst>
+          </p:cNvPr>
+          <p:cNvSpPr>
+            <a:spLocks noGrp="1"/>
+          </p:cNvSpPr>
+          <p:nvPr>
+            <p:ph type="sldNum" sz="quarter" idx="12"/>
+          </p:nvPr>
+        </p:nvSpPr>
+        <p:spPr/>
+        <p:txBody>
+          <a:bodyPr/>
+          <a:lstStyle/>
+          <a:p>
+            <a:pPr>
+              <a:buClr>
+                <a:prstClr val="black"/>
+              </a:buClr>
+            </a:pPr>
+            <a:fld id="{8022235C-F2BB-49F2-A307-DAF5D2C4A06C}" type="slidenum">
+              <a:rPr lang="en-US" smtClean="0">
+                <a:solidFill>
+                  <a:srgbClr val="000000">
+                    <a:lumMod val="65000"/>
+                    <a:lumOff val="35000"/>
+                  </a:srgbClr>
+                </a:solidFill>
+                <a:cs typeface="+mn-cs"/>
+              </a:rPr>
+              <a:pPr>
+                <a:buClr>
+                  <a:prstClr val="black"/>
+                </a:buClr>
+              </a:pPr>
+              <a:t>‹#›</a:t>
+            </a:fld>
+            <a:endParaRPr lang="en-US" dirty="0">
+              <a:solidFill>
+                <a:srgbClr val="000000">
+                  <a:lumMod val="65000"/>
+                  <a:lumOff val="35000"/>
+                </a:srgbClr>
+              </a:solidFill>
+              <a:cs typeface="+mn-cs"/>
+            </a:endParaRPr>
+          </a:p>
+        </p:txBody>
+      </p:sp>
+      <p:pic>
+        <p:nvPicPr>
+          <p:cNvPr id="8" name="Graphic 7">
+            <a:extLst>
+              <a:ext uri="{FF2B5EF4-FFF2-40B4-BE49-F238E27FC236}">
+                <a16:creationId xmlns:a16="http://schemas.microsoft.com/office/drawing/2014/main" id="{366DEEE0-6DCF-129B-2FE7-5063F80BDFD2}"/>
+              </a:ext>
+            </a:extLst>
+          </p:cNvPr>
+          <p:cNvPicPr>
+            <a:picLocks noChangeAspect="1"/>
+          </p:cNvPicPr>
+          <p:nvPr/>
+        </p:nvPicPr>
+        <p:blipFill>
+          <a:blip r:embed="rId2">
+            <a:extLst>
+              <a:ext uri="{96DAC541-7B7A-43D3-8B79-37D633B846F1}">
+                <asvg:svgBlip xmlns:asvg="http://schemas.microsoft.com/office/drawing/2016/SVG/main" r:embed="rId3"/>
+              </a:ext>
+            </a:extLst>
+          </a:blip>
+          <a:stretch>
+            <a:fillRect/>
+          </a:stretch>
+        </p:blipFill>
+        <p:spPr>
+          <a:xfrm>
+            <a:off x="460569" y="6213462"/>
+            <a:ext cx="513374" cy="148879"/>
+          </a:xfrm>
+          <a:prstGeom prst="rect">
+            <a:avLst/>
+          </a:prstGeom>
+        </p:spPr>
+      </p:pic>
+    </p:spTree>
+    <p:extLst>
+      <p:ext uri="{BB962C8B-B14F-4D97-AF65-F5344CB8AC3E}">
+        <p14:creationId xmlns:p14="http://schemas.microsoft.com/office/powerpoint/2010/main" val="3063534450"/>
+      </p:ext>
+    </p:extLst>
+  </p:cSld>
+  <p:clrMapOvr>
+    <a:masterClrMapping/>
+  </p:clrMapOvr>
+  <p:hf hdr="0" ftr="0" dt="0"/>
+</p:sldLayout>
+</file>
+
 <file path=ppt/slideLayouts/slideLayout6.xml><?xml version="1.0" encoding="utf-8"?>
 <p:sldLayout xmlns:a="http://schemas.openxmlformats.org/drawingml/2006/main" xmlns:r="http://schemas.openxmlformats.org/officeDocument/2006/relationships" xmlns:p="http://schemas.openxmlformats.org/presentationml/2006/main" type="titleOnly" preserve="1">
   <p:cSld name="Title Only">
@@ -14519,13 +15656,980 @@
             <a:fld id="{D8E3BBD6-5DF7-411E-B793-6A3558CCCDCA}" type="datetimeFigureOut">
               <a:rPr lang="fr-FR" smtClean="0"/>
               <a:pPr/>
-              <a:t>25/10/2021</a:t>
+              <a:t>07/03/2025</a:t>
             </a:fld>
             <a:endParaRPr lang="fr-FR" dirty="0"/>
           </a:p>
         </p:txBody>
       </p:sp>
     </p:spTree>
+  </p:cSld>
+  <p:clrMapOvr>
+    <a:masterClrMapping/>
+  </p:clrMapOvr>
+</p:sldLayout>
+</file>
+
+<file path=ppt/slideLayouts/slideLayout60.xml><?xml version="1.0" encoding="utf-8"?>
+<p:sldLayout xmlns:a="http://schemas.openxmlformats.org/drawingml/2006/main" xmlns:r="http://schemas.openxmlformats.org/officeDocument/2006/relationships" xmlns:p="http://schemas.openxmlformats.org/presentationml/2006/main" type="blank" preserve="1">
+  <p:cSld name="Blank White">
+    <p:spTree>
+      <p:nvGrpSpPr>
+        <p:cNvPr id="1" name=""/>
+        <p:cNvGrpSpPr/>
+        <p:nvPr/>
+      </p:nvGrpSpPr>
+      <p:grpSpPr>
+        <a:xfrm>
+          <a:off x="0" y="0"/>
+          <a:ext cx="0" cy="0"/>
+          <a:chOff x="0" y="0"/>
+          <a:chExt cx="0" cy="0"/>
+        </a:xfrm>
+      </p:grpSpPr>
+      <p:sp>
+        <p:nvSpPr>
+          <p:cNvPr id="2" name="Date Placeholder 1">
+            <a:extLst>
+              <a:ext uri="{FF2B5EF4-FFF2-40B4-BE49-F238E27FC236}">
+                <a16:creationId xmlns:a16="http://schemas.microsoft.com/office/drawing/2014/main" id="{BA7A2C98-AD74-004A-63D4-7EC05B92E8B8}"/>
+              </a:ext>
+            </a:extLst>
+          </p:cNvPr>
+          <p:cNvSpPr>
+            <a:spLocks noGrp="1"/>
+          </p:cNvSpPr>
+          <p:nvPr>
+            <p:ph type="dt" sz="half" idx="10"/>
+          </p:nvPr>
+        </p:nvSpPr>
+        <p:spPr/>
+        <p:txBody>
+          <a:bodyPr/>
+          <a:lstStyle/>
+          <a:p>
+            <a:fld id="{F241454D-9187-412C-9F8A-779996F9ED45}" type="datetime1">
+              <a:rPr lang="en-US" smtClean="0"/>
+              <a:t>3/7/2025</a:t>
+            </a:fld>
+            <a:endParaRPr lang="en-US"/>
+          </a:p>
+        </p:txBody>
+      </p:sp>
+      <p:sp>
+        <p:nvSpPr>
+          <p:cNvPr id="3" name="Footer Placeholder 2">
+            <a:extLst>
+              <a:ext uri="{FF2B5EF4-FFF2-40B4-BE49-F238E27FC236}">
+                <a16:creationId xmlns:a16="http://schemas.microsoft.com/office/drawing/2014/main" id="{54E288A7-121E-FF91-B69E-76A5262DC5F8}"/>
+              </a:ext>
+            </a:extLst>
+          </p:cNvPr>
+          <p:cNvSpPr>
+            <a:spLocks noGrp="1"/>
+          </p:cNvSpPr>
+          <p:nvPr>
+            <p:ph type="ftr" sz="quarter" idx="11"/>
+          </p:nvPr>
+        </p:nvSpPr>
+        <p:spPr/>
+        <p:txBody>
+          <a:bodyPr/>
+          <a:lstStyle/>
+          <a:p>
+            <a:r>
+              <a:rPr lang="en-US"/>
+              <a:t>Footer</a:t>
+            </a:r>
+          </a:p>
+        </p:txBody>
+      </p:sp>
+      <p:sp>
+        <p:nvSpPr>
+          <p:cNvPr id="4" name="Slide Number Placeholder 3">
+            <a:extLst>
+              <a:ext uri="{FF2B5EF4-FFF2-40B4-BE49-F238E27FC236}">
+                <a16:creationId xmlns:a16="http://schemas.microsoft.com/office/drawing/2014/main" id="{F8D939DF-9E28-094D-E598-2071F1981D81}"/>
+              </a:ext>
+            </a:extLst>
+          </p:cNvPr>
+          <p:cNvSpPr>
+            <a:spLocks noGrp="1"/>
+          </p:cNvSpPr>
+          <p:nvPr>
+            <p:ph type="sldNum" sz="quarter" idx="12"/>
+          </p:nvPr>
+        </p:nvSpPr>
+        <p:spPr/>
+        <p:txBody>
+          <a:bodyPr/>
+          <a:lstStyle/>
+          <a:p>
+            <a:pPr>
+              <a:buClr>
+                <a:prstClr val="black"/>
+              </a:buClr>
+            </a:pPr>
+            <a:fld id="{8022235C-F2BB-49F2-A307-DAF5D2C4A06C}" type="slidenum">
+              <a:rPr lang="en-US" smtClean="0">
+                <a:solidFill>
+                  <a:srgbClr val="000000">
+                    <a:lumMod val="65000"/>
+                    <a:lumOff val="35000"/>
+                  </a:srgbClr>
+                </a:solidFill>
+                <a:cs typeface="+mn-cs"/>
+              </a:rPr>
+              <a:pPr>
+                <a:buClr>
+                  <a:prstClr val="black"/>
+                </a:buClr>
+              </a:pPr>
+              <a:t>‹#›</a:t>
+            </a:fld>
+            <a:endParaRPr lang="en-US" dirty="0">
+              <a:solidFill>
+                <a:srgbClr val="000000">
+                  <a:lumMod val="65000"/>
+                  <a:lumOff val="35000"/>
+                </a:srgbClr>
+              </a:solidFill>
+              <a:cs typeface="+mn-cs"/>
+            </a:endParaRPr>
+          </a:p>
+        </p:txBody>
+      </p:sp>
+    </p:spTree>
+    <p:extLst>
+      <p:ext uri="{BB962C8B-B14F-4D97-AF65-F5344CB8AC3E}">
+        <p14:creationId xmlns:p14="http://schemas.microsoft.com/office/powerpoint/2010/main" val="2213120446"/>
+      </p:ext>
+    </p:extLst>
+  </p:cSld>
+  <p:clrMapOvr>
+    <a:masterClrMapping/>
+  </p:clrMapOvr>
+  <p:hf hdr="0" ftr="0" dt="0"/>
+</p:sldLayout>
+</file>
+
+<file path=ppt/slideLayouts/slideLayout61.xml><?xml version="1.0" encoding="utf-8"?>
+<p:sldLayout xmlns:a="http://schemas.openxmlformats.org/drawingml/2006/main" xmlns:r="http://schemas.openxmlformats.org/officeDocument/2006/relationships" xmlns:p="http://schemas.openxmlformats.org/presentationml/2006/main" type="obj" preserve="1">
+  <p:cSld name="Tight White">
+    <p:spTree>
+      <p:nvGrpSpPr>
+        <p:cNvPr id="1" name=""/>
+        <p:cNvGrpSpPr/>
+        <p:nvPr/>
+      </p:nvGrpSpPr>
+      <p:grpSpPr>
+        <a:xfrm>
+          <a:off x="0" y="0"/>
+          <a:ext cx="0" cy="0"/>
+          <a:chOff x="0" y="0"/>
+          <a:chExt cx="0" cy="0"/>
+        </a:xfrm>
+      </p:grpSpPr>
+      <p:sp>
+        <p:nvSpPr>
+          <p:cNvPr id="2" name="Title 1">
+            <a:extLst>
+              <a:ext uri="{FF2B5EF4-FFF2-40B4-BE49-F238E27FC236}">
+                <a16:creationId xmlns:a16="http://schemas.microsoft.com/office/drawing/2014/main" id="{564E153F-07E7-BA90-E01A-DF249D907F62}"/>
+              </a:ext>
+            </a:extLst>
+          </p:cNvPr>
+          <p:cNvSpPr>
+            <a:spLocks noGrp="1"/>
+          </p:cNvSpPr>
+          <p:nvPr>
+            <p:ph type="title"/>
+          </p:nvPr>
+        </p:nvSpPr>
+        <p:spPr>
+          <a:xfrm>
+            <a:off x="255494" y="430308"/>
+            <a:ext cx="7409330" cy="972897"/>
+          </a:xfrm>
+        </p:spPr>
+        <p:txBody>
+          <a:bodyPr anchor="t">
+            <a:noAutofit/>
+          </a:bodyPr>
+          <a:lstStyle>
+            <a:lvl1pPr>
+              <a:defRPr sz="2400"/>
+            </a:lvl1pPr>
+          </a:lstStyle>
+          <a:p>
+            <a:r>
+              <a:rPr lang="en-US"/>
+              <a:t>Click to edit Master title style</a:t>
+            </a:r>
+          </a:p>
+        </p:txBody>
+      </p:sp>
+      <p:sp>
+        <p:nvSpPr>
+          <p:cNvPr id="3" name="Content Placeholder 2">
+            <a:extLst>
+              <a:ext uri="{FF2B5EF4-FFF2-40B4-BE49-F238E27FC236}">
+                <a16:creationId xmlns:a16="http://schemas.microsoft.com/office/drawing/2014/main" id="{060E82FB-A63F-021B-50F1-25582ACCA05E}"/>
+              </a:ext>
+            </a:extLst>
+          </p:cNvPr>
+          <p:cNvSpPr>
+            <a:spLocks noGrp="1"/>
+          </p:cNvSpPr>
+          <p:nvPr>
+            <p:ph idx="1"/>
+          </p:nvPr>
+        </p:nvSpPr>
+        <p:spPr>
+          <a:xfrm>
+            <a:off x="255494" y="1511329"/>
+            <a:ext cx="8633012" cy="4736897"/>
+          </a:xfrm>
+        </p:spPr>
+        <p:txBody>
+          <a:bodyPr>
+            <a:noAutofit/>
+          </a:bodyPr>
+          <a:lstStyle>
+            <a:lvl1pPr>
+              <a:defRPr sz="1500"/>
+            </a:lvl1pPr>
+            <a:lvl2pPr marL="215504" indent="-175022">
+              <a:defRPr sz="1050"/>
+            </a:lvl2pPr>
+            <a:lvl3pPr>
+              <a:defRPr sz="900"/>
+            </a:lvl3pPr>
+          </a:lstStyle>
+          <a:p>
+            <a:pPr lvl="0"/>
+            <a:r>
+              <a:rPr lang="en-US"/>
+              <a:t>Click to edit Master text styles</a:t>
+            </a:r>
+          </a:p>
+          <a:p>
+            <a:pPr lvl="1"/>
+            <a:r>
+              <a:rPr lang="en-US"/>
+              <a:t>Second level</a:t>
+            </a:r>
+          </a:p>
+          <a:p>
+            <a:pPr lvl="2"/>
+            <a:r>
+              <a:rPr lang="en-US"/>
+              <a:t>Third level</a:t>
+            </a:r>
+          </a:p>
+        </p:txBody>
+      </p:sp>
+      <p:sp>
+        <p:nvSpPr>
+          <p:cNvPr id="4" name="Date Placeholder 3">
+            <a:extLst>
+              <a:ext uri="{FF2B5EF4-FFF2-40B4-BE49-F238E27FC236}">
+                <a16:creationId xmlns:a16="http://schemas.microsoft.com/office/drawing/2014/main" id="{79A42950-704B-22AC-BBA3-8E22DA8F2887}"/>
+              </a:ext>
+            </a:extLst>
+          </p:cNvPr>
+          <p:cNvSpPr>
+            <a:spLocks noGrp="1"/>
+          </p:cNvSpPr>
+          <p:nvPr>
+            <p:ph type="dt" sz="half" idx="10"/>
+          </p:nvPr>
+        </p:nvSpPr>
+        <p:spPr>
+          <a:xfrm>
+            <a:off x="255495" y="6356351"/>
+            <a:ext cx="2037230" cy="365125"/>
+          </a:xfrm>
+        </p:spPr>
+        <p:txBody>
+          <a:bodyPr/>
+          <a:lstStyle>
+            <a:lvl1pPr>
+              <a:defRPr sz="788"/>
+            </a:lvl1pPr>
+          </a:lstStyle>
+          <a:p>
+            <a:fld id="{0854FD82-FA21-482B-A0EB-146017B879AB}" type="datetime1">
+              <a:rPr lang="en-US" smtClean="0"/>
+              <a:pPr/>
+              <a:t>3/7/2025</a:t>
+            </a:fld>
+            <a:endParaRPr lang="en-US"/>
+          </a:p>
+        </p:txBody>
+      </p:sp>
+      <p:sp>
+        <p:nvSpPr>
+          <p:cNvPr id="5" name="Footer Placeholder 4">
+            <a:extLst>
+              <a:ext uri="{FF2B5EF4-FFF2-40B4-BE49-F238E27FC236}">
+                <a16:creationId xmlns:a16="http://schemas.microsoft.com/office/drawing/2014/main" id="{0D6AB9B8-DEE6-E879-D221-ED4EE0E65E6E}"/>
+              </a:ext>
+            </a:extLst>
+          </p:cNvPr>
+          <p:cNvSpPr>
+            <a:spLocks noGrp="1"/>
+          </p:cNvSpPr>
+          <p:nvPr>
+            <p:ph type="ftr" sz="quarter" idx="11"/>
+          </p:nvPr>
+        </p:nvSpPr>
+        <p:spPr>
+          <a:xfrm>
+            <a:off x="3028950" y="6356351"/>
+            <a:ext cx="3086100" cy="365125"/>
+          </a:xfrm>
+        </p:spPr>
+        <p:txBody>
+          <a:bodyPr/>
+          <a:lstStyle>
+            <a:lvl1pPr>
+              <a:defRPr sz="788"/>
+            </a:lvl1pPr>
+          </a:lstStyle>
+          <a:p>
+            <a:r>
+              <a:rPr lang="en-US"/>
+              <a:t>Footer</a:t>
+            </a:r>
+          </a:p>
+        </p:txBody>
+      </p:sp>
+      <p:sp>
+        <p:nvSpPr>
+          <p:cNvPr id="6" name="Slide Number Placeholder 5">
+            <a:extLst>
+              <a:ext uri="{FF2B5EF4-FFF2-40B4-BE49-F238E27FC236}">
+                <a16:creationId xmlns:a16="http://schemas.microsoft.com/office/drawing/2014/main" id="{E459AFEB-CC0E-2142-80ED-0F97D832E8CA}"/>
+              </a:ext>
+            </a:extLst>
+          </p:cNvPr>
+          <p:cNvSpPr>
+            <a:spLocks noGrp="1"/>
+          </p:cNvSpPr>
+          <p:nvPr>
+            <p:ph type="sldNum" sz="quarter" idx="12"/>
+          </p:nvPr>
+        </p:nvSpPr>
+        <p:spPr>
+          <a:xfrm>
+            <a:off x="6851276" y="6356351"/>
+            <a:ext cx="2037230" cy="365125"/>
+          </a:xfrm>
+        </p:spPr>
+        <p:txBody>
+          <a:bodyPr/>
+          <a:lstStyle>
+            <a:lvl1pPr>
+              <a:defRPr sz="788"/>
+            </a:lvl1pPr>
+          </a:lstStyle>
+          <a:p>
+            <a:pPr>
+              <a:buClr>
+                <a:prstClr val="black"/>
+              </a:buClr>
+            </a:pPr>
+            <a:fld id="{8022235C-F2BB-49F2-A307-DAF5D2C4A06C}" type="slidenum">
+              <a:rPr lang="en-US" smtClean="0">
+                <a:solidFill>
+                  <a:srgbClr val="000000">
+                    <a:lumMod val="65000"/>
+                    <a:lumOff val="35000"/>
+                  </a:srgbClr>
+                </a:solidFill>
+                <a:cs typeface="+mn-cs"/>
+              </a:rPr>
+              <a:pPr>
+                <a:buClr>
+                  <a:prstClr val="black"/>
+                </a:buClr>
+              </a:pPr>
+              <a:t>‹#›</a:t>
+            </a:fld>
+            <a:endParaRPr lang="en-US" dirty="0">
+              <a:solidFill>
+                <a:srgbClr val="000000">
+                  <a:lumMod val="65000"/>
+                  <a:lumOff val="35000"/>
+                </a:srgbClr>
+              </a:solidFill>
+              <a:cs typeface="+mn-cs"/>
+            </a:endParaRPr>
+          </a:p>
+        </p:txBody>
+      </p:sp>
+      <p:pic>
+        <p:nvPicPr>
+          <p:cNvPr id="7" name="Graphic 6">
+            <a:extLst>
+              <a:ext uri="{FF2B5EF4-FFF2-40B4-BE49-F238E27FC236}">
+                <a16:creationId xmlns:a16="http://schemas.microsoft.com/office/drawing/2014/main" id="{810AB58F-5C81-F586-4AC1-94D12E690CF6}"/>
+              </a:ext>
+            </a:extLst>
+          </p:cNvPr>
+          <p:cNvPicPr>
+            <a:picLocks noChangeAspect="1"/>
+          </p:cNvPicPr>
+          <p:nvPr/>
+        </p:nvPicPr>
+        <p:blipFill>
+          <a:blip r:embed="rId2">
+            <a:extLst>
+              <a:ext uri="{96DAC541-7B7A-43D3-8B79-37D633B846F1}">
+                <asvg:svgBlip xmlns:asvg="http://schemas.microsoft.com/office/drawing/2016/SVG/main" r:embed="rId3"/>
+              </a:ext>
+            </a:extLst>
+          </a:blip>
+          <a:stretch>
+            <a:fillRect/>
+          </a:stretch>
+        </p:blipFill>
+        <p:spPr>
+          <a:xfrm>
+            <a:off x="339546" y="6464473"/>
+            <a:ext cx="513374" cy="148879"/>
+          </a:xfrm>
+          <a:prstGeom prst="rect">
+            <a:avLst/>
+          </a:prstGeom>
+        </p:spPr>
+      </p:pic>
+    </p:spTree>
+    <p:extLst>
+      <p:ext uri="{BB962C8B-B14F-4D97-AF65-F5344CB8AC3E}">
+        <p14:creationId xmlns:p14="http://schemas.microsoft.com/office/powerpoint/2010/main" val="3131910853"/>
+      </p:ext>
+    </p:extLst>
+  </p:cSld>
+  <p:clrMapOvr>
+    <a:masterClrMapping/>
+  </p:clrMapOvr>
+  <p:hf hdr="0" ftr="0" dt="0"/>
+</p:sldLayout>
+</file>
+
+<file path=ppt/slideLayouts/slideLayout62.xml><?xml version="1.0" encoding="utf-8"?>
+<p:sldLayout xmlns:a="http://schemas.openxmlformats.org/drawingml/2006/main" xmlns:r="http://schemas.openxmlformats.org/officeDocument/2006/relationships" xmlns:p="http://schemas.openxmlformats.org/presentationml/2006/main" type="obj" preserve="1">
+  <p:cSld name="Tight Matte">
+    <p:spTree>
+      <p:nvGrpSpPr>
+        <p:cNvPr id="1" name=""/>
+        <p:cNvGrpSpPr/>
+        <p:nvPr/>
+      </p:nvGrpSpPr>
+      <p:grpSpPr>
+        <a:xfrm>
+          <a:off x="0" y="0"/>
+          <a:ext cx="0" cy="0"/>
+          <a:chOff x="0" y="0"/>
+          <a:chExt cx="0" cy="0"/>
+        </a:xfrm>
+      </p:grpSpPr>
+      <p:sp>
+        <p:nvSpPr>
+          <p:cNvPr id="8" name="Rectangle 7">
+            <a:extLst>
+              <a:ext uri="{FF2B5EF4-FFF2-40B4-BE49-F238E27FC236}">
+                <a16:creationId xmlns:a16="http://schemas.microsoft.com/office/drawing/2014/main" id="{F620FDAE-095C-777E-89BB-73936B80FFB1}"/>
+              </a:ext>
+            </a:extLst>
+          </p:cNvPr>
+          <p:cNvSpPr/>
+          <p:nvPr/>
+        </p:nvSpPr>
+        <p:spPr>
+          <a:xfrm>
+            <a:off x="0" y="0"/>
+            <a:ext cx="9144000" cy="6858000"/>
+          </a:xfrm>
+          <a:prstGeom prst="rect">
+            <a:avLst/>
+          </a:prstGeom>
+          <a:solidFill>
+            <a:srgbClr val="F7F8FF"/>
+          </a:solidFill>
+          <a:ln>
+            <a:noFill/>
+          </a:ln>
+        </p:spPr>
+        <p:style>
+          <a:lnRef idx="2">
+            <a:schemeClr val="accent1">
+              <a:shade val="50000"/>
+            </a:schemeClr>
+          </a:lnRef>
+          <a:fillRef idx="1">
+            <a:schemeClr val="accent1"/>
+          </a:fillRef>
+          <a:effectRef idx="0">
+            <a:schemeClr val="accent1"/>
+          </a:effectRef>
+          <a:fontRef idx="minor">
+            <a:schemeClr val="lt1"/>
+          </a:fontRef>
+        </p:style>
+        <p:txBody>
+          <a:bodyPr rtlCol="0" anchor="ctr"/>
+          <a:lstStyle/>
+          <a:p>
+            <a:pPr algn="ctr"/>
+            <a:endParaRPr lang="en-US" sz="1350"/>
+          </a:p>
+        </p:txBody>
+      </p:sp>
+      <p:sp>
+        <p:nvSpPr>
+          <p:cNvPr id="2" name="Title 1">
+            <a:extLst>
+              <a:ext uri="{FF2B5EF4-FFF2-40B4-BE49-F238E27FC236}">
+                <a16:creationId xmlns:a16="http://schemas.microsoft.com/office/drawing/2014/main" id="{564E153F-07E7-BA90-E01A-DF249D907F62}"/>
+              </a:ext>
+            </a:extLst>
+          </p:cNvPr>
+          <p:cNvSpPr>
+            <a:spLocks noGrp="1"/>
+          </p:cNvSpPr>
+          <p:nvPr>
+            <p:ph type="title"/>
+          </p:nvPr>
+        </p:nvSpPr>
+        <p:spPr>
+          <a:xfrm>
+            <a:off x="255494" y="430308"/>
+            <a:ext cx="7416053" cy="972897"/>
+          </a:xfrm>
+        </p:spPr>
+        <p:txBody>
+          <a:bodyPr anchor="t">
+            <a:noAutofit/>
+          </a:bodyPr>
+          <a:lstStyle>
+            <a:lvl1pPr>
+              <a:defRPr sz="2400"/>
+            </a:lvl1pPr>
+          </a:lstStyle>
+          <a:p>
+            <a:r>
+              <a:rPr lang="en-US"/>
+              <a:t>Click to edit Master title style</a:t>
+            </a:r>
+          </a:p>
+        </p:txBody>
+      </p:sp>
+      <p:sp>
+        <p:nvSpPr>
+          <p:cNvPr id="3" name="Content Placeholder 2">
+            <a:extLst>
+              <a:ext uri="{FF2B5EF4-FFF2-40B4-BE49-F238E27FC236}">
+                <a16:creationId xmlns:a16="http://schemas.microsoft.com/office/drawing/2014/main" id="{060E82FB-A63F-021B-50F1-25582ACCA05E}"/>
+              </a:ext>
+            </a:extLst>
+          </p:cNvPr>
+          <p:cNvSpPr>
+            <a:spLocks noGrp="1"/>
+          </p:cNvSpPr>
+          <p:nvPr>
+            <p:ph idx="1"/>
+          </p:nvPr>
+        </p:nvSpPr>
+        <p:spPr>
+          <a:xfrm>
+            <a:off x="255494" y="1511329"/>
+            <a:ext cx="8633012" cy="4736897"/>
+          </a:xfrm>
+        </p:spPr>
+        <p:txBody>
+          <a:bodyPr>
+            <a:noAutofit/>
+          </a:bodyPr>
+          <a:lstStyle>
+            <a:lvl1pPr>
+              <a:defRPr sz="1500"/>
+            </a:lvl1pPr>
+            <a:lvl2pPr marL="215504" indent="-175022">
+              <a:defRPr sz="1050"/>
+            </a:lvl2pPr>
+            <a:lvl3pPr>
+              <a:defRPr sz="900"/>
+            </a:lvl3pPr>
+          </a:lstStyle>
+          <a:p>
+            <a:pPr lvl="0"/>
+            <a:r>
+              <a:rPr lang="en-US"/>
+              <a:t>Click to edit Master text styles</a:t>
+            </a:r>
+          </a:p>
+          <a:p>
+            <a:pPr lvl="1"/>
+            <a:r>
+              <a:rPr lang="en-US"/>
+              <a:t>Second level</a:t>
+            </a:r>
+          </a:p>
+          <a:p>
+            <a:pPr lvl="2"/>
+            <a:r>
+              <a:rPr lang="en-US"/>
+              <a:t>Third level</a:t>
+            </a:r>
+          </a:p>
+        </p:txBody>
+      </p:sp>
+      <p:sp>
+        <p:nvSpPr>
+          <p:cNvPr id="4" name="Date Placeholder 3">
+            <a:extLst>
+              <a:ext uri="{FF2B5EF4-FFF2-40B4-BE49-F238E27FC236}">
+                <a16:creationId xmlns:a16="http://schemas.microsoft.com/office/drawing/2014/main" id="{79A42950-704B-22AC-BBA3-8E22DA8F2887}"/>
+              </a:ext>
+            </a:extLst>
+          </p:cNvPr>
+          <p:cNvSpPr>
+            <a:spLocks noGrp="1"/>
+          </p:cNvSpPr>
+          <p:nvPr>
+            <p:ph type="dt" sz="half" idx="10"/>
+          </p:nvPr>
+        </p:nvSpPr>
+        <p:spPr>
+          <a:xfrm>
+            <a:off x="255496" y="6356351"/>
+            <a:ext cx="2040587" cy="365125"/>
+          </a:xfrm>
+        </p:spPr>
+        <p:txBody>
+          <a:bodyPr/>
+          <a:lstStyle>
+            <a:lvl1pPr>
+              <a:defRPr sz="788"/>
+            </a:lvl1pPr>
+          </a:lstStyle>
+          <a:p>
+            <a:fld id="{0854FD82-FA21-482B-A0EB-146017B879AB}" type="datetime1">
+              <a:rPr lang="en-US" smtClean="0"/>
+              <a:pPr/>
+              <a:t>3/7/2025</a:t>
+            </a:fld>
+            <a:endParaRPr lang="en-US"/>
+          </a:p>
+        </p:txBody>
+      </p:sp>
+      <p:sp>
+        <p:nvSpPr>
+          <p:cNvPr id="5" name="Footer Placeholder 4">
+            <a:extLst>
+              <a:ext uri="{FF2B5EF4-FFF2-40B4-BE49-F238E27FC236}">
+                <a16:creationId xmlns:a16="http://schemas.microsoft.com/office/drawing/2014/main" id="{0D6AB9B8-DEE6-E879-D221-ED4EE0E65E6E}"/>
+              </a:ext>
+            </a:extLst>
+          </p:cNvPr>
+          <p:cNvSpPr>
+            <a:spLocks noGrp="1"/>
+          </p:cNvSpPr>
+          <p:nvPr>
+            <p:ph type="ftr" sz="quarter" idx="11"/>
+          </p:nvPr>
+        </p:nvSpPr>
+        <p:spPr>
+          <a:xfrm>
+            <a:off x="3030629" y="6356351"/>
+            <a:ext cx="3086100" cy="365125"/>
+          </a:xfrm>
+        </p:spPr>
+        <p:txBody>
+          <a:bodyPr/>
+          <a:lstStyle>
+            <a:lvl1pPr>
+              <a:defRPr sz="788"/>
+            </a:lvl1pPr>
+          </a:lstStyle>
+          <a:p>
+            <a:r>
+              <a:rPr lang="en-US"/>
+              <a:t>Footer</a:t>
+            </a:r>
+          </a:p>
+        </p:txBody>
+      </p:sp>
+      <p:sp>
+        <p:nvSpPr>
+          <p:cNvPr id="6" name="Slide Number Placeholder 5">
+            <a:extLst>
+              <a:ext uri="{FF2B5EF4-FFF2-40B4-BE49-F238E27FC236}">
+                <a16:creationId xmlns:a16="http://schemas.microsoft.com/office/drawing/2014/main" id="{E459AFEB-CC0E-2142-80ED-0F97D832E8CA}"/>
+              </a:ext>
+            </a:extLst>
+          </p:cNvPr>
+          <p:cNvSpPr>
+            <a:spLocks noGrp="1"/>
+          </p:cNvSpPr>
+          <p:nvPr>
+            <p:ph type="sldNum" sz="quarter" idx="12"/>
+          </p:nvPr>
+        </p:nvSpPr>
+        <p:spPr>
+          <a:xfrm>
+            <a:off x="6851276" y="6356351"/>
+            <a:ext cx="2037230" cy="365125"/>
+          </a:xfrm>
+        </p:spPr>
+        <p:txBody>
+          <a:bodyPr/>
+          <a:lstStyle>
+            <a:lvl1pPr>
+              <a:defRPr sz="788"/>
+            </a:lvl1pPr>
+          </a:lstStyle>
+          <a:p>
+            <a:pPr>
+              <a:buClr>
+                <a:prstClr val="black"/>
+              </a:buClr>
+            </a:pPr>
+            <a:fld id="{8022235C-F2BB-49F2-A307-DAF5D2C4A06C}" type="slidenum">
+              <a:rPr lang="en-US" smtClean="0">
+                <a:solidFill>
+                  <a:srgbClr val="000000">
+                    <a:lumMod val="65000"/>
+                    <a:lumOff val="35000"/>
+                  </a:srgbClr>
+                </a:solidFill>
+                <a:cs typeface="+mn-cs"/>
+              </a:rPr>
+              <a:pPr>
+                <a:buClr>
+                  <a:prstClr val="black"/>
+                </a:buClr>
+              </a:pPr>
+              <a:t>‹#›</a:t>
+            </a:fld>
+            <a:endParaRPr lang="en-US" dirty="0">
+              <a:solidFill>
+                <a:srgbClr val="000000">
+                  <a:lumMod val="65000"/>
+                  <a:lumOff val="35000"/>
+                </a:srgbClr>
+              </a:solidFill>
+              <a:cs typeface="+mn-cs"/>
+            </a:endParaRPr>
+          </a:p>
+        </p:txBody>
+      </p:sp>
+      <p:pic>
+        <p:nvPicPr>
+          <p:cNvPr id="7" name="Graphic 6">
+            <a:extLst>
+              <a:ext uri="{FF2B5EF4-FFF2-40B4-BE49-F238E27FC236}">
+                <a16:creationId xmlns:a16="http://schemas.microsoft.com/office/drawing/2014/main" id="{810AB58F-5C81-F586-4AC1-94D12E690CF6}"/>
+              </a:ext>
+            </a:extLst>
+          </p:cNvPr>
+          <p:cNvPicPr>
+            <a:picLocks noChangeAspect="1"/>
+          </p:cNvPicPr>
+          <p:nvPr/>
+        </p:nvPicPr>
+        <p:blipFill>
+          <a:blip r:embed="rId2">
+            <a:extLst>
+              <a:ext uri="{96DAC541-7B7A-43D3-8B79-37D633B846F1}">
+                <asvg:svgBlip xmlns:asvg="http://schemas.microsoft.com/office/drawing/2016/SVG/main" r:embed="rId3"/>
+              </a:ext>
+            </a:extLst>
+          </a:blip>
+          <a:stretch>
+            <a:fillRect/>
+          </a:stretch>
+        </p:blipFill>
+        <p:spPr>
+          <a:xfrm>
+            <a:off x="339546" y="6464473"/>
+            <a:ext cx="513374" cy="148879"/>
+          </a:xfrm>
+          <a:prstGeom prst="rect">
+            <a:avLst/>
+          </a:prstGeom>
+        </p:spPr>
+      </p:pic>
+    </p:spTree>
+    <p:extLst>
+      <p:ext uri="{BB962C8B-B14F-4D97-AF65-F5344CB8AC3E}">
+        <p14:creationId xmlns:p14="http://schemas.microsoft.com/office/powerpoint/2010/main" val="1556785486"/>
+      </p:ext>
+    </p:extLst>
+  </p:cSld>
+  <p:clrMapOvr>
+    <a:masterClrMapping/>
+  </p:clrMapOvr>
+  <p:hf hdr="0" ftr="0" dt="0"/>
+</p:sldLayout>
+</file>
+
+<file path=ppt/slideLayouts/slideLayout63.xml><?xml version="1.0" encoding="utf-8"?>
+<p:sldLayout xmlns:a="http://schemas.openxmlformats.org/drawingml/2006/main" xmlns:r="http://schemas.openxmlformats.org/officeDocument/2006/relationships" xmlns:p="http://schemas.openxmlformats.org/presentationml/2006/main" userDrawn="1">
+  <p:cSld name="Title and Content">
+    <p:spTree>
+      <p:nvGrpSpPr>
+        <p:cNvPr id="1" name=""/>
+        <p:cNvGrpSpPr/>
+        <p:nvPr/>
+      </p:nvGrpSpPr>
+      <p:grpSpPr>
+        <a:xfrm>
+          <a:off x="0" y="0"/>
+          <a:ext cx="0" cy="0"/>
+          <a:chOff x="0" y="0"/>
+          <a:chExt cx="0" cy="0"/>
+        </a:xfrm>
+      </p:grpSpPr>
+      <p:sp>
+        <p:nvSpPr>
+          <p:cNvPr id="4" name="Slide Number Placeholder 3"/>
+          <p:cNvSpPr>
+            <a:spLocks noGrp="1"/>
+          </p:cNvSpPr>
+          <p:nvPr>
+            <p:ph type="sldNum" sz="quarter" idx="10"/>
+          </p:nvPr>
+        </p:nvSpPr>
+        <p:spPr/>
+        <p:txBody>
+          <a:bodyPr/>
+          <a:lstStyle>
+            <a:lvl1pPr>
+              <a:defRPr/>
+            </a:lvl1pPr>
+          </a:lstStyle>
+          <a:p>
+            <a:pPr>
+              <a:buClr>
+                <a:prstClr val="black"/>
+              </a:buClr>
+            </a:pPr>
+            <a:fld id="{F71C7896-8E11-4384-BFC5-C0974CDBC83D}" type="slidenum">
+              <a:rPr lang="en-US">
+                <a:solidFill>
+                  <a:srgbClr val="000000">
+                    <a:lumMod val="65000"/>
+                    <a:lumOff val="35000"/>
+                  </a:srgbClr>
+                </a:solidFill>
+              </a:rPr>
+              <a:pPr>
+                <a:buClr>
+                  <a:prstClr val="black"/>
+                </a:buClr>
+              </a:pPr>
+              <a:t>‹#›</a:t>
+            </a:fld>
+            <a:endParaRPr lang="en-US" dirty="0">
+              <a:solidFill>
+                <a:srgbClr val="000000">
+                  <a:lumMod val="65000"/>
+                  <a:lumOff val="35000"/>
+                </a:srgbClr>
+              </a:solidFill>
+            </a:endParaRPr>
+          </a:p>
+        </p:txBody>
+      </p:sp>
+      <p:sp>
+        <p:nvSpPr>
+          <p:cNvPr id="5" name="Title 4"/>
+          <p:cNvSpPr>
+            <a:spLocks noGrp="1"/>
+          </p:cNvSpPr>
+          <p:nvPr>
+            <p:ph type="title"/>
+          </p:nvPr>
+        </p:nvSpPr>
+        <p:spPr/>
+        <p:txBody>
+          <a:bodyPr/>
+          <a:lstStyle/>
+          <a:p>
+            <a:r>
+              <a:rPr lang="en-US"/>
+              <a:t>Click to edit Master title style</a:t>
+            </a:r>
+          </a:p>
+        </p:txBody>
+      </p:sp>
+      <p:sp>
+        <p:nvSpPr>
+          <p:cNvPr id="3" name="Text Placeholder 2"/>
+          <p:cNvSpPr>
+            <a:spLocks noGrp="1"/>
+          </p:cNvSpPr>
+          <p:nvPr>
+            <p:ph type="body" sz="quarter" idx="11"/>
+          </p:nvPr>
+        </p:nvSpPr>
+        <p:spPr>
+          <a:xfrm>
+            <a:off x="325438" y="907126"/>
+            <a:ext cx="8504237" cy="1836400"/>
+          </a:xfrm>
+        </p:spPr>
+        <p:txBody>
+          <a:bodyPr/>
+          <a:lstStyle/>
+          <a:p>
+            <a:pPr lvl="0"/>
+            <a:r>
+              <a:rPr lang="en-US"/>
+              <a:t>Click to edit Master text styles</a:t>
+            </a:r>
+          </a:p>
+          <a:p>
+            <a:pPr lvl="1"/>
+            <a:r>
+              <a:rPr lang="en-US"/>
+              <a:t>Second level</a:t>
+            </a:r>
+          </a:p>
+          <a:p>
+            <a:pPr lvl="2"/>
+            <a:r>
+              <a:rPr lang="en-US"/>
+              <a:t>Third level</a:t>
+            </a:r>
+          </a:p>
+          <a:p>
+            <a:pPr lvl="3"/>
+            <a:r>
+              <a:rPr lang="en-US"/>
+              <a:t>Fourth level</a:t>
+            </a:r>
+          </a:p>
+          <a:p>
+            <a:pPr lvl="4"/>
+            <a:r>
+              <a:rPr lang="en-US"/>
+              <a:t>Fifth level</a:t>
+            </a:r>
+            <a:endParaRPr lang="en-US" dirty="0"/>
+          </a:p>
+        </p:txBody>
+      </p:sp>
+    </p:spTree>
+    <p:extLst>
+      <p:ext uri="{BB962C8B-B14F-4D97-AF65-F5344CB8AC3E}">
+        <p14:creationId xmlns:p14="http://schemas.microsoft.com/office/powerpoint/2010/main" val="2322062797"/>
+      </p:ext>
+    </p:extLst>
   </p:cSld>
   <p:clrMapOvr>
     <a:masterClrMapping/>
@@ -14599,7 +16703,7 @@
             <a:fld id="{D8E3BBD6-5DF7-411E-B793-6A3558CCCDCA}" type="datetimeFigureOut">
               <a:rPr lang="fr-FR" smtClean="0"/>
               <a:pPr/>
-              <a:t>25/10/2021</a:t>
+              <a:t>07/03/2025</a:t>
             </a:fld>
             <a:endParaRPr lang="fr-FR" dirty="0"/>
           </a:p>
@@ -14859,7 +16963,7 @@
             <a:fld id="{D8E3BBD6-5DF7-411E-B793-6A3558CCCDCA}" type="datetimeFigureOut">
               <a:rPr lang="fr-FR" smtClean="0"/>
               <a:pPr/>
-              <a:t>25/10/2021</a:t>
+              <a:t>07/03/2025</a:t>
             </a:fld>
             <a:endParaRPr lang="fr-FR" dirty="0"/>
           </a:p>
@@ -15101,7 +17205,7 @@
             <a:fld id="{D8E3BBD6-5DF7-411E-B793-6A3558CCCDCA}" type="datetimeFigureOut">
               <a:rPr lang="fr-FR" smtClean="0"/>
               <a:pPr/>
-              <a:t>25/10/2021</a:t>
+              <a:t>07/03/2025</a:t>
             </a:fld>
             <a:endParaRPr lang="fr-FR" dirty="0"/>
           </a:p>
@@ -15303,7 +17407,7 @@
             <a:fld id="{D8E3BBD6-5DF7-411E-B793-6A3558CCCDCA}" type="datetimeFigureOut">
               <a:rPr lang="fr-FR" smtClean="0"/>
               <a:pPr/>
-              <a:t>25/10/2021</a:t>
+              <a:t>07/03/2025</a:t>
             </a:fld>
             <a:endParaRPr lang="fr-FR" dirty="0"/>
           </a:p>
@@ -19695,6 +21799,566 @@
 </p:sldMaster>
 </file>
 
+<file path=ppt/slideMasters/slideMaster7.xml><?xml version="1.0" encoding="utf-8"?>
+<p:sldMaster xmlns:a="http://schemas.openxmlformats.org/drawingml/2006/main" xmlns:r="http://schemas.openxmlformats.org/officeDocument/2006/relationships" xmlns:p="http://schemas.openxmlformats.org/presentationml/2006/main">
+  <p:cSld>
+    <p:bg>
+      <p:bgRef idx="1001">
+        <a:schemeClr val="bg1"/>
+      </p:bgRef>
+    </p:bg>
+    <p:spTree>
+      <p:nvGrpSpPr>
+        <p:cNvPr id="1" name=""/>
+        <p:cNvGrpSpPr/>
+        <p:nvPr/>
+      </p:nvGrpSpPr>
+      <p:grpSpPr>
+        <a:xfrm>
+          <a:off x="0" y="0"/>
+          <a:ext cx="0" cy="0"/>
+          <a:chOff x="0" y="0"/>
+          <a:chExt cx="0" cy="0"/>
+        </a:xfrm>
+      </p:grpSpPr>
+      <p:sp>
+        <p:nvSpPr>
+          <p:cNvPr id="2" name="Title Placeholder 1">
+            <a:extLst>
+              <a:ext uri="{FF2B5EF4-FFF2-40B4-BE49-F238E27FC236}">
+                <a16:creationId xmlns:a16="http://schemas.microsoft.com/office/drawing/2014/main" id="{F2DD86EF-7A0D-572B-B914-4466E21019D7}"/>
+              </a:ext>
+            </a:extLst>
+          </p:cNvPr>
+          <p:cNvSpPr>
+            <a:spLocks noGrp="1"/>
+          </p:cNvSpPr>
+          <p:nvPr>
+            <p:ph type="title"/>
+          </p:nvPr>
+        </p:nvSpPr>
+        <p:spPr>
+          <a:xfrm>
+            <a:off x="383241" y="394448"/>
+            <a:ext cx="8370795" cy="973443"/>
+          </a:xfrm>
+          <a:prstGeom prst="rect">
+            <a:avLst/>
+          </a:prstGeom>
+        </p:spPr>
+        <p:txBody>
+          <a:bodyPr vert="horz" lIns="91440" tIns="45720" rIns="91440" bIns="45720" rtlCol="0" anchor="ctr">
+            <a:noAutofit/>
+          </a:bodyPr>
+          <a:lstStyle/>
+          <a:p>
+            <a:r>
+              <a:rPr lang="en-US"/>
+              <a:t>Click to edit Master title style</a:t>
+            </a:r>
+          </a:p>
+        </p:txBody>
+      </p:sp>
+      <p:sp>
+        <p:nvSpPr>
+          <p:cNvPr id="3" name="Text Placeholder 2">
+            <a:extLst>
+              <a:ext uri="{FF2B5EF4-FFF2-40B4-BE49-F238E27FC236}">
+                <a16:creationId xmlns:a16="http://schemas.microsoft.com/office/drawing/2014/main" id="{6F8AB681-0AFC-878F-CEDB-ADC35523A380}"/>
+              </a:ext>
+            </a:extLst>
+          </p:cNvPr>
+          <p:cNvSpPr>
+            <a:spLocks noGrp="1"/>
+          </p:cNvSpPr>
+          <p:nvPr>
+            <p:ph type="body" idx="1"/>
+          </p:nvPr>
+        </p:nvSpPr>
+        <p:spPr>
+          <a:xfrm>
+            <a:off x="383241" y="1511330"/>
+            <a:ext cx="8370795" cy="4512953"/>
+          </a:xfrm>
+          <a:prstGeom prst="rect">
+            <a:avLst/>
+          </a:prstGeom>
+        </p:spPr>
+        <p:txBody>
+          <a:bodyPr vert="horz" lIns="91440" tIns="45720" rIns="91440" bIns="45720" rtlCol="0">
+            <a:noAutofit/>
+          </a:bodyPr>
+          <a:lstStyle/>
+          <a:p>
+            <a:pPr lvl="0"/>
+            <a:r>
+              <a:rPr lang="en-US"/>
+              <a:t>Main text or section title</a:t>
+            </a:r>
+          </a:p>
+          <a:p>
+            <a:pPr lvl="1"/>
+            <a:r>
+              <a:rPr lang="en-US"/>
+              <a:t>First bullet</a:t>
+            </a:r>
+          </a:p>
+          <a:p>
+            <a:pPr lvl="2"/>
+            <a:r>
+              <a:rPr lang="en-US"/>
+              <a:t>Second bullet</a:t>
+            </a:r>
+          </a:p>
+        </p:txBody>
+      </p:sp>
+      <p:sp>
+        <p:nvSpPr>
+          <p:cNvPr id="4" name="Date Placeholder 3">
+            <a:extLst>
+              <a:ext uri="{FF2B5EF4-FFF2-40B4-BE49-F238E27FC236}">
+                <a16:creationId xmlns:a16="http://schemas.microsoft.com/office/drawing/2014/main" id="{B92FCB96-E4E5-E7C6-5551-1FD3B9F7328F}"/>
+              </a:ext>
+            </a:extLst>
+          </p:cNvPr>
+          <p:cNvSpPr>
+            <a:spLocks noGrp="1"/>
+          </p:cNvSpPr>
+          <p:nvPr>
+            <p:ph type="dt" sz="half" idx="2"/>
+          </p:nvPr>
+        </p:nvSpPr>
+        <p:spPr>
+          <a:xfrm>
+            <a:off x="383241" y="6096371"/>
+            <a:ext cx="1929653" cy="365125"/>
+          </a:xfrm>
+          <a:prstGeom prst="rect">
+            <a:avLst/>
+          </a:prstGeom>
+        </p:spPr>
+        <p:txBody>
+          <a:bodyPr vert="horz" lIns="91440" tIns="45720" rIns="91440" bIns="45720" rtlCol="0" anchor="ctr"/>
+          <a:lstStyle>
+            <a:lvl1pPr algn="r">
+              <a:defRPr sz="825">
+                <a:solidFill>
+                  <a:schemeClr val="accent5">
+                    <a:lumMod val="90000"/>
+                  </a:schemeClr>
+                </a:solidFill>
+                <a:latin typeface="Arial Nova Light" panose="020B0304020202020204" pitchFamily="34" charset="0"/>
+              </a:defRPr>
+            </a:lvl1pPr>
+          </a:lstStyle>
+          <a:p>
+            <a:fld id="{D8E3BBD6-5DF7-411E-B793-6A3558CCCDCA}" type="datetimeFigureOut">
+              <a:rPr lang="fr-FR" smtClean="0"/>
+              <a:pPr/>
+              <a:t>07/03/2025</a:t>
+            </a:fld>
+            <a:endParaRPr lang="fr-FR" dirty="0"/>
+          </a:p>
+        </p:txBody>
+      </p:sp>
+      <p:sp>
+        <p:nvSpPr>
+          <p:cNvPr id="5" name="Footer Placeholder 4">
+            <a:extLst>
+              <a:ext uri="{FF2B5EF4-FFF2-40B4-BE49-F238E27FC236}">
+                <a16:creationId xmlns:a16="http://schemas.microsoft.com/office/drawing/2014/main" id="{6C597914-ECE8-ABD1-36F8-904CB87C104F}"/>
+              </a:ext>
+            </a:extLst>
+          </p:cNvPr>
+          <p:cNvSpPr>
+            <a:spLocks noGrp="1"/>
+          </p:cNvSpPr>
+          <p:nvPr>
+            <p:ph type="ftr" sz="quarter" idx="3"/>
+          </p:nvPr>
+        </p:nvSpPr>
+        <p:spPr>
+          <a:xfrm>
+            <a:off x="3028950" y="6096371"/>
+            <a:ext cx="3086100" cy="365125"/>
+          </a:xfrm>
+          <a:prstGeom prst="rect">
+            <a:avLst/>
+          </a:prstGeom>
+        </p:spPr>
+        <p:txBody>
+          <a:bodyPr vert="horz" lIns="91440" tIns="45720" rIns="91440" bIns="45720" rtlCol="0" anchor="ctr"/>
+          <a:lstStyle>
+            <a:lvl1pPr algn="ctr">
+              <a:defRPr sz="825">
+                <a:solidFill>
+                  <a:schemeClr val="accent5">
+                    <a:lumMod val="90000"/>
+                  </a:schemeClr>
+                </a:solidFill>
+                <a:latin typeface="Arial Nova Light" panose="020B0304020202020204" pitchFamily="34" charset="0"/>
+              </a:defRPr>
+            </a:lvl1pPr>
+          </a:lstStyle>
+          <a:p>
+            <a:endParaRPr lang="fr-FR" dirty="0"/>
+          </a:p>
+        </p:txBody>
+      </p:sp>
+      <p:sp>
+        <p:nvSpPr>
+          <p:cNvPr id="6" name="Slide Number Placeholder 5">
+            <a:extLst>
+              <a:ext uri="{FF2B5EF4-FFF2-40B4-BE49-F238E27FC236}">
+                <a16:creationId xmlns:a16="http://schemas.microsoft.com/office/drawing/2014/main" id="{6B5414D8-0D4A-D7A1-154C-188A338D8265}"/>
+              </a:ext>
+            </a:extLst>
+          </p:cNvPr>
+          <p:cNvSpPr>
+            <a:spLocks noGrp="1"/>
+          </p:cNvSpPr>
+          <p:nvPr>
+            <p:ph type="sldNum" sz="quarter" idx="4"/>
+          </p:nvPr>
+        </p:nvSpPr>
+        <p:spPr>
+          <a:xfrm>
+            <a:off x="6851276" y="6096371"/>
+            <a:ext cx="1909484" cy="365125"/>
+          </a:xfrm>
+          <a:prstGeom prst="rect">
+            <a:avLst/>
+          </a:prstGeom>
+        </p:spPr>
+        <p:txBody>
+          <a:bodyPr vert="horz" lIns="91440" tIns="45720" rIns="91440" bIns="45720" rtlCol="0" anchor="ctr"/>
+          <a:lstStyle>
+            <a:lvl1pPr algn="r">
+              <a:defRPr sz="825">
+                <a:solidFill>
+                  <a:schemeClr val="accent5">
+                    <a:lumMod val="90000"/>
+                  </a:schemeClr>
+                </a:solidFill>
+                <a:latin typeface="Arial Nova Light" panose="020B0304020202020204" pitchFamily="34" charset="0"/>
+              </a:defRPr>
+            </a:lvl1pPr>
+          </a:lstStyle>
+          <a:p>
+            <a:fld id="{14FE1A72-2470-471C-A8A7-6FD3B741B47A}" type="slidenum">
+              <a:rPr lang="en-US" smtClean="0"/>
+              <a:pPr/>
+              <a:t>‹#›</a:t>
+            </a:fld>
+            <a:endParaRPr lang="en-US"/>
+          </a:p>
+        </p:txBody>
+      </p:sp>
+    </p:spTree>
+    <p:extLst>
+      <p:ext uri="{BB962C8B-B14F-4D97-AF65-F5344CB8AC3E}">
+        <p14:creationId xmlns:p14="http://schemas.microsoft.com/office/powerpoint/2010/main" val="167817288"/>
+      </p:ext>
+    </p:extLst>
+  </p:cSld>
+  <p:clrMap bg1="lt1" tx1="dk1" bg2="lt2" tx2="dk2" accent1="accent1" accent2="accent2" accent3="accent3" accent4="accent4" accent5="accent5" accent6="accent6" hlink="hlink" folHlink="folHlink"/>
+  <p:sldLayoutIdLst>
+    <p:sldLayoutId id="2147483722" r:id="rId1"/>
+    <p:sldLayoutId id="2147483723" r:id="rId2"/>
+    <p:sldLayoutId id="2147483724" r:id="rId3"/>
+    <p:sldLayoutId id="2147483725" r:id="rId4"/>
+    <p:sldLayoutId id="2147483726" r:id="rId5"/>
+    <p:sldLayoutId id="2147483727" r:id="rId6"/>
+    <p:sldLayoutId id="2147483728" r:id="rId7"/>
+    <p:sldLayoutId id="2147483729" r:id="rId8"/>
+  </p:sldLayoutIdLst>
+  <p:txStyles>
+    <p:titleStyle>
+      <a:lvl1pPr algn="l" defTabSz="685800" rtl="0" eaLnBrk="1" latinLnBrk="0" hangingPunct="1">
+        <a:lnSpc>
+          <a:spcPct val="90000"/>
+        </a:lnSpc>
+        <a:spcBef>
+          <a:spcPct val="0"/>
+        </a:spcBef>
+        <a:buNone/>
+        <a:defRPr sz="2700" kern="1200">
+          <a:solidFill>
+            <a:schemeClr val="tx2"/>
+          </a:solidFill>
+          <a:latin typeface="Arial Nova" panose="020B0504020202020204" pitchFamily="34" charset="0"/>
+          <a:ea typeface="+mj-ea"/>
+          <a:cs typeface="+mj-cs"/>
+        </a:defRPr>
+      </a:lvl1pPr>
+    </p:titleStyle>
+    <p:bodyStyle>
+      <a:lvl1pPr marL="0" indent="0" algn="l" defTabSz="685800" rtl="0" eaLnBrk="1" latinLnBrk="0" hangingPunct="1">
+        <a:lnSpc>
+          <a:spcPct val="90000"/>
+        </a:lnSpc>
+        <a:spcBef>
+          <a:spcPts val="450"/>
+        </a:spcBef>
+        <a:spcAft>
+          <a:spcPts val="450"/>
+        </a:spcAft>
+        <a:buFont typeface="Arial" panose="020B0604020202020204" pitchFamily="34" charset="0"/>
+        <a:buNone/>
+        <a:defRPr sz="1800" kern="1200">
+          <a:solidFill>
+            <a:schemeClr val="tx1"/>
+          </a:solidFill>
+          <a:latin typeface="Arial Nova" panose="020B0504020202020204" pitchFamily="34" charset="0"/>
+          <a:ea typeface="+mn-ea"/>
+          <a:cs typeface="+mn-cs"/>
+        </a:defRPr>
+      </a:lvl1pPr>
+      <a:lvl2pPr marL="215504" indent="-175022" algn="l" defTabSz="685800" rtl="0" eaLnBrk="1" latinLnBrk="0" hangingPunct="1">
+        <a:lnSpc>
+          <a:spcPct val="90000"/>
+        </a:lnSpc>
+        <a:spcBef>
+          <a:spcPts val="375"/>
+        </a:spcBef>
+        <a:buSzPct val="90000"/>
+        <a:buFont typeface="Arial" panose="020B0604020202020204" pitchFamily="34" charset="0"/>
+        <a:buChar char="•"/>
+        <a:defRPr sz="1200" kern="1200">
+          <a:solidFill>
+            <a:schemeClr val="tx1"/>
+          </a:solidFill>
+          <a:latin typeface="Arial Nova Light" panose="020B0304020202020204" pitchFamily="34" charset="0"/>
+          <a:ea typeface="+mn-ea"/>
+          <a:cs typeface="+mn-cs"/>
+        </a:defRPr>
+      </a:lvl2pPr>
+      <a:lvl3pPr marL="383381" indent="-167879" algn="l" defTabSz="685800" rtl="0" eaLnBrk="1" latinLnBrk="0" hangingPunct="1">
+        <a:lnSpc>
+          <a:spcPct val="90000"/>
+        </a:lnSpc>
+        <a:spcBef>
+          <a:spcPts val="375"/>
+        </a:spcBef>
+        <a:buFont typeface="Arial Nova" panose="020B0504020202020204" pitchFamily="34" charset="0"/>
+        <a:buChar char="–"/>
+        <a:defRPr sz="1050" kern="1200">
+          <a:solidFill>
+            <a:schemeClr val="tx1"/>
+          </a:solidFill>
+          <a:latin typeface="Arial Nova Light" panose="020B0304020202020204" pitchFamily="34" charset="0"/>
+          <a:ea typeface="+mn-ea"/>
+          <a:cs typeface="+mn-cs"/>
+        </a:defRPr>
+      </a:lvl3pPr>
+      <a:lvl4pPr marL="1200150" indent="-171450" algn="l" defTabSz="685800" rtl="0" eaLnBrk="1" latinLnBrk="0" hangingPunct="1">
+        <a:lnSpc>
+          <a:spcPct val="90000"/>
+        </a:lnSpc>
+        <a:spcBef>
+          <a:spcPts val="375"/>
+        </a:spcBef>
+        <a:buFont typeface="Arial" panose="020B0604020202020204" pitchFamily="34" charset="0"/>
+        <a:buChar char="•"/>
+        <a:defRPr sz="1200" kern="1200">
+          <a:solidFill>
+            <a:schemeClr val="tx1"/>
+          </a:solidFill>
+          <a:latin typeface="Arial Nova" panose="020B0504020202020204" pitchFamily="34" charset="0"/>
+          <a:ea typeface="+mn-ea"/>
+          <a:cs typeface="+mn-cs"/>
+        </a:defRPr>
+      </a:lvl4pPr>
+      <a:lvl5pPr marL="1543050" indent="-171450" algn="l" defTabSz="685800" rtl="0" eaLnBrk="1" latinLnBrk="0" hangingPunct="1">
+        <a:lnSpc>
+          <a:spcPct val="90000"/>
+        </a:lnSpc>
+        <a:spcBef>
+          <a:spcPts val="375"/>
+        </a:spcBef>
+        <a:buFont typeface="Arial" panose="020B0604020202020204" pitchFamily="34" charset="0"/>
+        <a:buChar char="•"/>
+        <a:defRPr sz="1200" kern="1200">
+          <a:solidFill>
+            <a:schemeClr val="tx1"/>
+          </a:solidFill>
+          <a:latin typeface="Arial Nova" panose="020B0504020202020204" pitchFamily="34" charset="0"/>
+          <a:ea typeface="+mn-ea"/>
+          <a:cs typeface="+mn-cs"/>
+        </a:defRPr>
+      </a:lvl5pPr>
+      <a:lvl6pPr marL="1885950" indent="-171450" algn="l" defTabSz="685800" rtl="0" eaLnBrk="1" latinLnBrk="0" hangingPunct="1">
+        <a:lnSpc>
+          <a:spcPct val="90000"/>
+        </a:lnSpc>
+        <a:spcBef>
+          <a:spcPts val="375"/>
+        </a:spcBef>
+        <a:buFont typeface="Arial" panose="020B0604020202020204" pitchFamily="34" charset="0"/>
+        <a:buChar char="•"/>
+        <a:defRPr sz="1350" kern="1200">
+          <a:solidFill>
+            <a:schemeClr val="tx1"/>
+          </a:solidFill>
+          <a:latin typeface="+mn-lt"/>
+          <a:ea typeface="+mn-ea"/>
+          <a:cs typeface="+mn-cs"/>
+        </a:defRPr>
+      </a:lvl6pPr>
+      <a:lvl7pPr marL="2228850" indent="-171450" algn="l" defTabSz="685800" rtl="0" eaLnBrk="1" latinLnBrk="0" hangingPunct="1">
+        <a:lnSpc>
+          <a:spcPct val="90000"/>
+        </a:lnSpc>
+        <a:spcBef>
+          <a:spcPts val="375"/>
+        </a:spcBef>
+        <a:buFont typeface="Arial" panose="020B0604020202020204" pitchFamily="34" charset="0"/>
+        <a:buChar char="•"/>
+        <a:defRPr sz="1350" kern="1200">
+          <a:solidFill>
+            <a:schemeClr val="tx1"/>
+          </a:solidFill>
+          <a:latin typeface="+mn-lt"/>
+          <a:ea typeface="+mn-ea"/>
+          <a:cs typeface="+mn-cs"/>
+        </a:defRPr>
+      </a:lvl7pPr>
+      <a:lvl8pPr marL="2571750" indent="-171450" algn="l" defTabSz="685800" rtl="0" eaLnBrk="1" latinLnBrk="0" hangingPunct="1">
+        <a:lnSpc>
+          <a:spcPct val="90000"/>
+        </a:lnSpc>
+        <a:spcBef>
+          <a:spcPts val="375"/>
+        </a:spcBef>
+        <a:buFont typeface="Arial" panose="020B0604020202020204" pitchFamily="34" charset="0"/>
+        <a:buChar char="•"/>
+        <a:defRPr sz="1350" kern="1200">
+          <a:solidFill>
+            <a:schemeClr val="tx1"/>
+          </a:solidFill>
+          <a:latin typeface="+mn-lt"/>
+          <a:ea typeface="+mn-ea"/>
+          <a:cs typeface="+mn-cs"/>
+        </a:defRPr>
+      </a:lvl8pPr>
+      <a:lvl9pPr marL="2914650" indent="-171450" algn="l" defTabSz="685800" rtl="0" eaLnBrk="1" latinLnBrk="0" hangingPunct="1">
+        <a:lnSpc>
+          <a:spcPct val="90000"/>
+        </a:lnSpc>
+        <a:spcBef>
+          <a:spcPts val="375"/>
+        </a:spcBef>
+        <a:buFont typeface="Arial" panose="020B0604020202020204" pitchFamily="34" charset="0"/>
+        <a:buChar char="•"/>
+        <a:defRPr sz="1350" kern="1200">
+          <a:solidFill>
+            <a:schemeClr val="tx1"/>
+          </a:solidFill>
+          <a:latin typeface="+mn-lt"/>
+          <a:ea typeface="+mn-ea"/>
+          <a:cs typeface="+mn-cs"/>
+        </a:defRPr>
+      </a:lvl9pPr>
+    </p:bodyStyle>
+    <p:otherStyle>
+      <a:defPPr>
+        <a:defRPr lang="en-US"/>
+      </a:defPPr>
+      <a:lvl1pPr marL="0" algn="l" defTabSz="685800" rtl="0" eaLnBrk="1" latinLnBrk="0" hangingPunct="1">
+        <a:defRPr sz="1350" kern="1200">
+          <a:solidFill>
+            <a:schemeClr val="tx1"/>
+          </a:solidFill>
+          <a:latin typeface="+mn-lt"/>
+          <a:ea typeface="+mn-ea"/>
+          <a:cs typeface="+mn-cs"/>
+        </a:defRPr>
+      </a:lvl1pPr>
+      <a:lvl2pPr marL="342900" algn="l" defTabSz="685800" rtl="0" eaLnBrk="1" latinLnBrk="0" hangingPunct="1">
+        <a:defRPr sz="1350" kern="1200">
+          <a:solidFill>
+            <a:schemeClr val="tx1"/>
+          </a:solidFill>
+          <a:latin typeface="+mn-lt"/>
+          <a:ea typeface="+mn-ea"/>
+          <a:cs typeface="+mn-cs"/>
+        </a:defRPr>
+      </a:lvl2pPr>
+      <a:lvl3pPr marL="685800" algn="l" defTabSz="685800" rtl="0" eaLnBrk="1" latinLnBrk="0" hangingPunct="1">
+        <a:defRPr sz="1350" kern="1200">
+          <a:solidFill>
+            <a:schemeClr val="tx1"/>
+          </a:solidFill>
+          <a:latin typeface="+mn-lt"/>
+          <a:ea typeface="+mn-ea"/>
+          <a:cs typeface="+mn-cs"/>
+        </a:defRPr>
+      </a:lvl3pPr>
+      <a:lvl4pPr marL="1028700" algn="l" defTabSz="685800" rtl="0" eaLnBrk="1" latinLnBrk="0" hangingPunct="1">
+        <a:defRPr sz="1350" kern="1200">
+          <a:solidFill>
+            <a:schemeClr val="tx1"/>
+          </a:solidFill>
+          <a:latin typeface="+mn-lt"/>
+          <a:ea typeface="+mn-ea"/>
+          <a:cs typeface="+mn-cs"/>
+        </a:defRPr>
+      </a:lvl4pPr>
+      <a:lvl5pPr marL="1371600" algn="l" defTabSz="685800" rtl="0" eaLnBrk="1" latinLnBrk="0" hangingPunct="1">
+        <a:defRPr sz="1350" kern="1200">
+          <a:solidFill>
+            <a:schemeClr val="tx1"/>
+          </a:solidFill>
+          <a:latin typeface="+mn-lt"/>
+          <a:ea typeface="+mn-ea"/>
+          <a:cs typeface="+mn-cs"/>
+        </a:defRPr>
+      </a:lvl5pPr>
+      <a:lvl6pPr marL="1714500" algn="l" defTabSz="685800" rtl="0" eaLnBrk="1" latinLnBrk="0" hangingPunct="1">
+        <a:defRPr sz="1350" kern="1200">
+          <a:solidFill>
+            <a:schemeClr val="tx1"/>
+          </a:solidFill>
+          <a:latin typeface="+mn-lt"/>
+          <a:ea typeface="+mn-ea"/>
+          <a:cs typeface="+mn-cs"/>
+        </a:defRPr>
+      </a:lvl6pPr>
+      <a:lvl7pPr marL="2057400" algn="l" defTabSz="685800" rtl="0" eaLnBrk="1" latinLnBrk="0" hangingPunct="1">
+        <a:defRPr sz="1350" kern="1200">
+          <a:solidFill>
+            <a:schemeClr val="tx1"/>
+          </a:solidFill>
+          <a:latin typeface="+mn-lt"/>
+          <a:ea typeface="+mn-ea"/>
+          <a:cs typeface="+mn-cs"/>
+        </a:defRPr>
+      </a:lvl7pPr>
+      <a:lvl8pPr marL="2400300" algn="l" defTabSz="685800" rtl="0" eaLnBrk="1" latinLnBrk="0" hangingPunct="1">
+        <a:defRPr sz="1350" kern="1200">
+          <a:solidFill>
+            <a:schemeClr val="tx1"/>
+          </a:solidFill>
+          <a:latin typeface="+mn-lt"/>
+          <a:ea typeface="+mn-ea"/>
+          <a:cs typeface="+mn-cs"/>
+        </a:defRPr>
+      </a:lvl8pPr>
+      <a:lvl9pPr marL="2743200" algn="l" defTabSz="685800" rtl="0" eaLnBrk="1" latinLnBrk="0" hangingPunct="1">
+        <a:defRPr sz="1350" kern="1200">
+          <a:solidFill>
+            <a:schemeClr val="tx1"/>
+          </a:solidFill>
+          <a:latin typeface="+mn-lt"/>
+          <a:ea typeface="+mn-ea"/>
+          <a:cs typeface="+mn-cs"/>
+        </a:defRPr>
+      </a:lvl9pPr>
+    </p:otherStyle>
+  </p:txStyles>
+</p:sldMaster>
+</file>
+
 <file path=ppt/slides/slide1.xml><?xml version="1.0" encoding="utf-8"?>
 <p:sld xmlns:a="http://schemas.openxmlformats.org/drawingml/2006/main" xmlns:r="http://schemas.openxmlformats.org/officeDocument/2006/relationships" xmlns:p="http://schemas.openxmlformats.org/presentationml/2006/main">
   <p:cSld>
@@ -19714,6 +22378,28 @@
       </p:grpSpPr>
       <p:sp>
         <p:nvSpPr>
+          <p:cNvPr id="2" name="Title 1"/>
+          <p:cNvSpPr>
+            <a:spLocks noGrp="1"/>
+          </p:cNvSpPr>
+          <p:nvPr>
+            <p:ph type="ctrTitle"/>
+          </p:nvPr>
+        </p:nvSpPr>
+        <p:spPr/>
+        <p:txBody>
+          <a:bodyPr/>
+          <a:lstStyle/>
+          <a:p>
+            <a:r>
+              <a:rPr lang="en-US" dirty="0"/>
+              <a:t>Portfolio PowerPoint Templates</a:t>
+            </a:r>
+          </a:p>
+        </p:txBody>
+      </p:sp>
+      <p:sp>
+        <p:nvSpPr>
           <p:cNvPr id="3" name="Subtitle 2"/>
           <p:cNvSpPr>
             <a:spLocks noGrp="1"/>
@@ -19730,28 +22416,6 @@
             <a:r>
               <a:rPr lang="en-US" dirty="0"/>
               <a:t>Components library</a:t>
-            </a:r>
-          </a:p>
-        </p:txBody>
-      </p:sp>
-      <p:sp>
-        <p:nvSpPr>
-          <p:cNvPr id="2" name="Title 1"/>
-          <p:cNvSpPr>
-            <a:spLocks noGrp="1"/>
-          </p:cNvSpPr>
-          <p:nvPr>
-            <p:ph type="ctrTitle" sz="quarter"/>
-          </p:nvPr>
-        </p:nvSpPr>
-        <p:spPr/>
-        <p:txBody>
-          <a:bodyPr/>
-          <a:lstStyle/>
-          <a:p>
-            <a:r>
-              <a:rPr lang="en-US" dirty="0"/>
-              <a:t>Portfolio PowerPoint Templates</a:t>
             </a:r>
           </a:p>
         </p:txBody>
@@ -19791,7 +22455,12 @@
             <p:ph type="title"/>
           </p:nvPr>
         </p:nvSpPr>
-        <p:spPr/>
+        <p:spPr>
+          <a:xfrm>
+            <a:off x="378943" y="-3363"/>
+            <a:ext cx="8370795" cy="973443"/>
+          </a:xfrm>
+        </p:spPr>
         <p:txBody>
           <a:bodyPr/>
           <a:lstStyle/>
@@ -20318,7 +22987,7 @@
         </p:spPr>
         <p:txBody>
           <a:bodyPr wrap="square" rtlCol="0">
-            <a:normAutofit fontScale="92500"/>
+            <a:normAutofit/>
           </a:bodyPr>
           <a:lstStyle>
             <a:defPPr>
@@ -20978,8 +23647,8 @@
         </p:nvSpPr>
         <p:spPr>
           <a:xfrm>
-            <a:off x="320040" y="237738"/>
-            <a:ext cx="8503920" cy="378565"/>
+            <a:off x="422606" y="11642"/>
+            <a:ext cx="8370795" cy="973443"/>
           </a:xfrm>
         </p:spPr>
         <p:txBody>
@@ -22300,8 +24969,8 @@
         </p:nvSpPr>
         <p:spPr>
           <a:xfrm>
-            <a:off x="320040" y="237738"/>
-            <a:ext cx="8503920" cy="378565"/>
+            <a:off x="386602" y="14196"/>
+            <a:ext cx="8370795" cy="973443"/>
           </a:xfrm>
         </p:spPr>
         <p:txBody>
@@ -23434,8 +26103,8 @@
         </p:nvSpPr>
         <p:spPr>
           <a:xfrm>
-            <a:off x="320040" y="237738"/>
-            <a:ext cx="8503920" cy="378565"/>
+            <a:off x="389965" y="-2382"/>
+            <a:ext cx="8370795" cy="973443"/>
           </a:xfrm>
         </p:spPr>
         <p:txBody>
@@ -24022,6 +26691,28 @@
       </p:grpSpPr>
       <p:sp>
         <p:nvSpPr>
+          <p:cNvPr id="10" name="Title 9"/>
+          <p:cNvSpPr>
+            <a:spLocks noGrp="1"/>
+          </p:cNvSpPr>
+          <p:nvPr>
+            <p:ph type="ctrTitle"/>
+          </p:nvPr>
+        </p:nvSpPr>
+        <p:spPr/>
+        <p:txBody>
+          <a:bodyPr/>
+          <a:lstStyle/>
+          <a:p>
+            <a:r>
+              <a:rPr lang="en-US" dirty="0"/>
+              <a:t>PowerPoint Templates</a:t>
+            </a:r>
+          </a:p>
+        </p:txBody>
+      </p:sp>
+      <p:sp>
+        <p:nvSpPr>
           <p:cNvPr id="11" name="Subtitle 10"/>
           <p:cNvSpPr>
             <a:spLocks noGrp="1"/>
@@ -24038,28 +26729,6 @@
             <a:r>
               <a:rPr lang="en-US" dirty="0"/>
               <a:t>Graphic Templates</a:t>
-            </a:r>
-          </a:p>
-        </p:txBody>
-      </p:sp>
-      <p:sp>
-        <p:nvSpPr>
-          <p:cNvPr id="10" name="Title 9"/>
-          <p:cNvSpPr>
-            <a:spLocks noGrp="1"/>
-          </p:cNvSpPr>
-          <p:nvPr>
-            <p:ph type="ctrTitle" sz="quarter"/>
-          </p:nvPr>
-        </p:nvSpPr>
-        <p:spPr/>
-        <p:txBody>
-          <a:bodyPr/>
-          <a:lstStyle/>
-          <a:p>
-            <a:r>
-              <a:rPr lang="en-US" dirty="0"/>
-              <a:t>PowerPoint Templates</a:t>
             </a:r>
           </a:p>
         </p:txBody>
@@ -24099,7 +26768,12 @@
             <p:ph type="title"/>
           </p:nvPr>
         </p:nvSpPr>
-        <p:spPr/>
+        <p:spPr>
+          <a:xfrm>
+            <a:off x="386602" y="0"/>
+            <a:ext cx="8370795" cy="973443"/>
+          </a:xfrm>
+        </p:spPr>
         <p:txBody>
           <a:bodyPr>
             <a:normAutofit/>
@@ -24198,7 +26872,12 @@
             <p:ph type="title"/>
           </p:nvPr>
         </p:nvSpPr>
-        <p:spPr/>
+        <p:spPr>
+          <a:xfrm>
+            <a:off x="386602" y="7285"/>
+            <a:ext cx="8370795" cy="973443"/>
+          </a:xfrm>
+        </p:spPr>
         <p:txBody>
           <a:bodyPr>
             <a:normAutofit/>
@@ -24698,7 +27377,7 @@
         </p:nvSpPr>
         <p:spPr>
           <a:xfrm>
-            <a:off x="251520" y="692696"/>
+            <a:off x="323528" y="711542"/>
             <a:ext cx="8143200" cy="369332"/>
           </a:xfrm>
           <a:prstGeom prst="rect">
@@ -24781,7 +27460,7 @@
         </p:nvSpPr>
         <p:spPr>
           <a:xfrm>
-            <a:off x="395536" y="1412776"/>
+            <a:off x="493200" y="1437878"/>
             <a:ext cx="1556836" cy="369332"/>
           </a:xfrm>
           <a:prstGeom prst="rect">
@@ -25122,6 +27801,61 @@
               </a:rPr>
               <a:t>CISQ option required installation of OMG Technical Debt Measure and CISQ Index extensions during analysis. Scope of rules is reduced</a:t>
             </a:r>
+          </a:p>
+        </p:txBody>
+      </p:sp>
+      <p:sp>
+        <p:nvSpPr>
+          <p:cNvPr id="2" name="Title 1">
+            <a:extLst>
+              <a:ext uri="{FF2B5EF4-FFF2-40B4-BE49-F238E27FC236}">
+                <a16:creationId xmlns:a16="http://schemas.microsoft.com/office/drawing/2014/main" id="{3E929372-7A07-D048-8E63-E130CCF435B1}"/>
+              </a:ext>
+            </a:extLst>
+          </p:cNvPr>
+          <p:cNvSpPr txBox="1">
+            <a:spLocks/>
+          </p:cNvSpPr>
+          <p:nvPr/>
+        </p:nvSpPr>
+        <p:spPr>
+          <a:xfrm>
+            <a:off x="386602" y="10682"/>
+            <a:ext cx="8370795" cy="973443"/>
+          </a:xfrm>
+          <a:prstGeom prst="rect">
+            <a:avLst/>
+          </a:prstGeom>
+        </p:spPr>
+        <p:txBody>
+          <a:bodyPr vert="horz" lIns="91440" tIns="45720" rIns="91440" bIns="45720" rtlCol="0" anchor="ctr">
+            <a:normAutofit/>
+          </a:bodyPr>
+          <a:lstStyle>
+            <a:lvl1pPr algn="l" defTabSz="685800" rtl="0" eaLnBrk="1" latinLnBrk="0" hangingPunct="1">
+              <a:lnSpc>
+                <a:spcPct val="90000"/>
+              </a:lnSpc>
+              <a:spcBef>
+                <a:spcPct val="0"/>
+              </a:spcBef>
+              <a:buNone/>
+              <a:defRPr sz="2700" kern="1200">
+                <a:solidFill>
+                  <a:schemeClr val="tx2"/>
+                </a:solidFill>
+                <a:latin typeface="Arial Nova" panose="020B0504020202020204" pitchFamily="34" charset="0"/>
+                <a:ea typeface="+mj-ea"/>
+                <a:cs typeface="+mj-cs"/>
+              </a:defRPr>
+            </a:lvl1pPr>
+          </a:lstStyle>
+          <a:p>
+            <a:r>
+              <a:rPr lang="en-US"/>
+              <a:t>PowerPoint Templates – Graphics</a:t>
+            </a:r>
+            <a:endParaRPr lang="en-US" dirty="0"/>
           </a:p>
         </p:txBody>
       </p:sp>
@@ -25160,7 +27894,12 @@
             <p:ph type="title"/>
           </p:nvPr>
         </p:nvSpPr>
-        <p:spPr/>
+        <p:spPr>
+          <a:xfrm>
+            <a:off x="386602" y="10682"/>
+            <a:ext cx="8370795" cy="973443"/>
+          </a:xfrm>
+        </p:spPr>
         <p:txBody>
           <a:bodyPr>
             <a:normAutofit/>
@@ -25586,7 +28325,12 @@
             <p:ph type="title"/>
           </p:nvPr>
         </p:nvSpPr>
-        <p:spPr/>
+        <p:spPr>
+          <a:xfrm>
+            <a:off x="386602" y="-778"/>
+            <a:ext cx="8370795" cy="973443"/>
+          </a:xfrm>
+        </p:spPr>
         <p:txBody>
           <a:bodyPr>
             <a:normAutofit/>
@@ -25595,7 +28339,15 @@
           <a:p>
             <a:r>
               <a:rPr lang="fr-FR" dirty="0"/>
-              <a:t>PowerPoint Templates – Graphics</a:t>
+              <a:t>PowerPoint </a:t>
+            </a:r>
+            <a:r>
+              <a:rPr lang="fr-FR" dirty="0" err="1"/>
+              <a:t>Templates</a:t>
+            </a:r>
+            <a:r>
+              <a:rPr lang="fr-FR" dirty="0"/>
+              <a:t> – Graphics</a:t>
             </a:r>
           </a:p>
         </p:txBody>
@@ -25999,7 +28751,12 @@
             <p:ph type="title"/>
           </p:nvPr>
         </p:nvSpPr>
-        <p:spPr/>
+        <p:spPr>
+          <a:xfrm>
+            <a:off x="386602" y="0"/>
+            <a:ext cx="8370795" cy="973443"/>
+          </a:xfrm>
+        </p:spPr>
         <p:txBody>
           <a:bodyPr/>
           <a:lstStyle/>
@@ -26080,7 +28837,12 @@
             <p:ph type="title"/>
           </p:nvPr>
         </p:nvSpPr>
-        <p:spPr/>
+        <p:spPr>
+          <a:xfrm>
+            <a:off x="326748" y="7285"/>
+            <a:ext cx="8370795" cy="973443"/>
+          </a:xfrm>
+        </p:spPr>
         <p:txBody>
           <a:bodyPr>
             <a:normAutofit/>
@@ -26414,6 +29176,28 @@
       </p:grpSpPr>
       <p:sp>
         <p:nvSpPr>
+          <p:cNvPr id="10" name="Title 9"/>
+          <p:cNvSpPr>
+            <a:spLocks noGrp="1"/>
+          </p:cNvSpPr>
+          <p:nvPr>
+            <p:ph type="ctrTitle"/>
+          </p:nvPr>
+        </p:nvSpPr>
+        <p:spPr/>
+        <p:txBody>
+          <a:bodyPr/>
+          <a:lstStyle/>
+          <a:p>
+            <a:r>
+              <a:rPr lang="en-US" dirty="0"/>
+              <a:t>PowerPoint Templates</a:t>
+            </a:r>
+          </a:p>
+        </p:txBody>
+      </p:sp>
+      <p:sp>
+        <p:nvSpPr>
           <p:cNvPr id="11" name="Subtitle 10"/>
           <p:cNvSpPr>
             <a:spLocks noGrp="1"/>
@@ -26430,28 +29214,6 @@
             <a:r>
               <a:rPr lang="en-US" dirty="0"/>
               <a:t>Table Templates</a:t>
-            </a:r>
-          </a:p>
-        </p:txBody>
-      </p:sp>
-      <p:sp>
-        <p:nvSpPr>
-          <p:cNvPr id="10" name="Title 9"/>
-          <p:cNvSpPr>
-            <a:spLocks noGrp="1"/>
-          </p:cNvSpPr>
-          <p:nvPr>
-            <p:ph type="ctrTitle" sz="quarter"/>
-          </p:nvPr>
-        </p:nvSpPr>
-        <p:spPr/>
-        <p:txBody>
-          <a:bodyPr/>
-          <a:lstStyle/>
-          <a:p>
-            <a:r>
-              <a:rPr lang="en-US" dirty="0"/>
-              <a:t>PowerPoint Templates</a:t>
             </a:r>
           </a:p>
         </p:txBody>
@@ -26491,7 +29253,12 @@
             <p:ph type="title"/>
           </p:nvPr>
         </p:nvSpPr>
-        <p:spPr/>
+        <p:spPr>
+          <a:xfrm>
+            <a:off x="386602" y="0"/>
+            <a:ext cx="8370795" cy="973443"/>
+          </a:xfrm>
+        </p:spPr>
         <p:txBody>
           <a:bodyPr>
             <a:normAutofit/>
@@ -26599,7 +29366,12 @@
             <p:ph type="title"/>
           </p:nvPr>
         </p:nvSpPr>
-        <p:spPr/>
+        <p:spPr>
+          <a:xfrm>
+            <a:off x="390246" y="14458"/>
+            <a:ext cx="8370795" cy="973443"/>
+          </a:xfrm>
+        </p:spPr>
         <p:txBody>
           <a:bodyPr>
             <a:normAutofit/>
@@ -28434,7 +31206,12 @@
             <p:ph type="title"/>
           </p:nvPr>
         </p:nvSpPr>
-        <p:spPr/>
+        <p:spPr>
+          <a:xfrm>
+            <a:off x="356007" y="-11850"/>
+            <a:ext cx="8370795" cy="973443"/>
+          </a:xfrm>
+        </p:spPr>
         <p:txBody>
           <a:bodyPr>
             <a:normAutofit/>
@@ -30661,7 +33438,12 @@
             <p:ph type="title"/>
           </p:nvPr>
         </p:nvSpPr>
-        <p:spPr/>
+        <p:spPr>
+          <a:xfrm>
+            <a:off x="395536" y="0"/>
+            <a:ext cx="8370795" cy="973443"/>
+          </a:xfrm>
+        </p:spPr>
         <p:txBody>
           <a:bodyPr/>
           <a:lstStyle/>
@@ -30862,7 +33644,12 @@
             <p:ph type="title"/>
           </p:nvPr>
         </p:nvSpPr>
-        <p:spPr/>
+        <p:spPr>
+          <a:xfrm>
+            <a:off x="388289" y="13297"/>
+            <a:ext cx="8370795" cy="973443"/>
+          </a:xfrm>
+        </p:spPr>
         <p:txBody>
           <a:bodyPr>
             <a:normAutofit/>
@@ -31174,7 +33961,7 @@
         </p:nvGraphicFramePr>
         <p:xfrm>
           <a:off x="755576" y="4550803"/>
-          <a:ext cx="7783158" cy="1783352"/>
+          <a:ext cx="7783158" cy="1783224"/>
         </p:xfrm>
         <a:graphic>
           <a:graphicData uri="http://schemas.openxmlformats.org/drawingml/2006/table">
@@ -32417,7 +35204,12 @@
             <p:ph type="title"/>
           </p:nvPr>
         </p:nvSpPr>
-        <p:spPr/>
+        <p:spPr>
+          <a:xfrm>
+            <a:off x="417503" y="4964"/>
+            <a:ext cx="8370795" cy="973443"/>
+          </a:xfrm>
+        </p:spPr>
         <p:txBody>
           <a:bodyPr>
             <a:normAutofit/>
@@ -33642,7 +36434,12 @@
             <p:ph type="title"/>
           </p:nvPr>
         </p:nvSpPr>
-        <p:spPr/>
+        <p:spPr>
+          <a:xfrm>
+            <a:off x="389965" y="0"/>
+            <a:ext cx="8370795" cy="973443"/>
+          </a:xfrm>
+        </p:spPr>
         <p:txBody>
           <a:bodyPr/>
           <a:lstStyle/>
@@ -35356,7 +38153,12 @@
             <p:ph type="title"/>
           </p:nvPr>
         </p:nvSpPr>
-        <p:spPr/>
+        <p:spPr>
+          <a:xfrm>
+            <a:off x="386602" y="0"/>
+            <a:ext cx="8370795" cy="973443"/>
+          </a:xfrm>
+        </p:spPr>
         <p:txBody>
           <a:bodyPr/>
           <a:lstStyle/>
@@ -35435,7 +38237,12 @@
             <p:ph type="title"/>
           </p:nvPr>
         </p:nvSpPr>
-        <p:spPr/>
+        <p:spPr>
+          <a:xfrm>
+            <a:off x="386602" y="0"/>
+            <a:ext cx="8370795" cy="973443"/>
+          </a:xfrm>
+        </p:spPr>
         <p:txBody>
           <a:bodyPr>
             <a:normAutofit/>
@@ -35516,7 +38323,12 @@
             <p:ph type="title"/>
           </p:nvPr>
         </p:nvSpPr>
-        <p:spPr/>
+        <p:spPr>
+          <a:xfrm>
+            <a:off x="386602" y="0"/>
+            <a:ext cx="8370795" cy="973443"/>
+          </a:xfrm>
+        </p:spPr>
         <p:txBody>
           <a:bodyPr/>
           <a:lstStyle/>
@@ -35690,7 +38502,12 @@
             <p:ph type="title"/>
           </p:nvPr>
         </p:nvSpPr>
-        <p:spPr/>
+        <p:spPr>
+          <a:xfrm>
+            <a:off x="386602" y="0"/>
+            <a:ext cx="8370795" cy="973443"/>
+          </a:xfrm>
+        </p:spPr>
         <p:txBody>
           <a:bodyPr/>
           <a:lstStyle/>
@@ -35791,14 +38608,23 @@
             <p:ph type="title"/>
           </p:nvPr>
         </p:nvSpPr>
-        <p:spPr/>
+        <p:spPr>
+          <a:xfrm>
+            <a:off x="382063" y="0"/>
+            <a:ext cx="8370795" cy="973443"/>
+          </a:xfrm>
+        </p:spPr>
         <p:txBody>
           <a:bodyPr/>
           <a:lstStyle/>
           <a:p>
             <a:r>
-              <a:rPr lang="en-US"/>
-              <a:t>Powerpoint Templates</a:t>
+              <a:rPr lang="en-US" dirty="0" err="1"/>
+              <a:t>Powerpoint</a:t>
+            </a:r>
+            <a:r>
+              <a:rPr lang="en-US" dirty="0"/>
+              <a:t> Templates</a:t>
             </a:r>
           </a:p>
         </p:txBody>
@@ -35899,6 +38725,28 @@
       </p:grpSpPr>
       <p:sp>
         <p:nvSpPr>
+          <p:cNvPr id="10" name="Title 9"/>
+          <p:cNvSpPr>
+            <a:spLocks noGrp="1"/>
+          </p:cNvSpPr>
+          <p:nvPr>
+            <p:ph type="ctrTitle"/>
+          </p:nvPr>
+        </p:nvSpPr>
+        <p:spPr/>
+        <p:txBody>
+          <a:bodyPr/>
+          <a:lstStyle/>
+          <a:p>
+            <a:r>
+              <a:rPr lang="en-US" dirty="0"/>
+              <a:t>PowerPoint Templates</a:t>
+            </a:r>
+          </a:p>
+        </p:txBody>
+      </p:sp>
+      <p:sp>
+        <p:nvSpPr>
           <p:cNvPr id="11" name="Subtitle 10"/>
           <p:cNvSpPr>
             <a:spLocks noGrp="1"/>
@@ -35915,28 +38763,6 @@
             <a:r>
               <a:rPr lang="en-US" dirty="0"/>
               <a:t>Text Templates</a:t>
-            </a:r>
-          </a:p>
-        </p:txBody>
-      </p:sp>
-      <p:sp>
-        <p:nvSpPr>
-          <p:cNvPr id="10" name="Title 9"/>
-          <p:cNvSpPr>
-            <a:spLocks noGrp="1"/>
-          </p:cNvSpPr>
-          <p:nvPr>
-            <p:ph type="ctrTitle" sz="quarter"/>
-          </p:nvPr>
-        </p:nvSpPr>
-        <p:spPr/>
-        <p:txBody>
-          <a:bodyPr/>
-          <a:lstStyle/>
-          <a:p>
-            <a:r>
-              <a:rPr lang="en-US" dirty="0"/>
-              <a:t>PowerPoint Templates</a:t>
             </a:r>
           </a:p>
         </p:txBody>
@@ -35976,7 +38802,12 @@
             <p:ph type="title"/>
           </p:nvPr>
         </p:nvSpPr>
-        <p:spPr/>
+        <p:spPr>
+          <a:xfrm>
+            <a:off x="386602" y="0"/>
+            <a:ext cx="8370795" cy="973443"/>
+          </a:xfrm>
+        </p:spPr>
         <p:txBody>
           <a:bodyPr/>
           <a:lstStyle/>
@@ -39402,6 +42233,276 @@
 </file>
 
 <file path=ppt/theme/theme7.xml><?xml version="1.0" encoding="utf-8"?>
+<a:theme xmlns:a="http://schemas.openxmlformats.org/drawingml/2006/main" name="Theme1">
+  <a:themeElements>
+    <a:clrScheme name="CAST Colors">
+      <a:dk1>
+        <a:srgbClr val="0C0613"/>
+      </a:dk1>
+      <a:lt1>
+        <a:srgbClr val="FFFFFF"/>
+      </a:lt1>
+      <a:dk2>
+        <a:srgbClr val="463589"/>
+      </a:dk2>
+      <a:lt2>
+        <a:srgbClr val="F7F8FF"/>
+      </a:lt2>
+      <a:accent1>
+        <a:srgbClr val="624ABB"/>
+      </a:accent1>
+      <a:accent2>
+        <a:srgbClr val="866EC2"/>
+      </a:accent2>
+      <a:accent3>
+        <a:srgbClr val="B2B9FF"/>
+      </a:accent3>
+      <a:accent4>
+        <a:srgbClr val="BBECF1"/>
+      </a:accent4>
+      <a:accent5>
+        <a:srgbClr val="C7C9E0"/>
+      </a:accent5>
+      <a:accent6>
+        <a:srgbClr val="CE6FCE"/>
+      </a:accent6>
+      <a:hlink>
+        <a:srgbClr val="463589"/>
+      </a:hlink>
+      <a:folHlink>
+        <a:srgbClr val="866EC2"/>
+      </a:folHlink>
+    </a:clrScheme>
+    <a:fontScheme name="CAST Fonts">
+      <a:majorFont>
+        <a:latin typeface="Arial Nova"/>
+        <a:ea typeface=""/>
+        <a:cs typeface=""/>
+      </a:majorFont>
+      <a:minorFont>
+        <a:latin typeface="Arial Nova Light"/>
+        <a:ea typeface=""/>
+        <a:cs typeface=""/>
+      </a:minorFont>
+    </a:fontScheme>
+    <a:fmtScheme name="Office">
+      <a:fillStyleLst>
+        <a:solidFill>
+          <a:schemeClr val="phClr"/>
+        </a:solidFill>
+        <a:gradFill rotWithShape="1">
+          <a:gsLst>
+            <a:gs pos="0">
+              <a:schemeClr val="phClr">
+                <a:lumMod val="110000"/>
+                <a:satMod val="105000"/>
+                <a:tint val="67000"/>
+              </a:schemeClr>
+            </a:gs>
+            <a:gs pos="50000">
+              <a:schemeClr val="phClr">
+                <a:lumMod val="105000"/>
+                <a:satMod val="103000"/>
+                <a:tint val="73000"/>
+              </a:schemeClr>
+            </a:gs>
+            <a:gs pos="100000">
+              <a:schemeClr val="phClr">
+                <a:lumMod val="105000"/>
+                <a:satMod val="109000"/>
+                <a:tint val="81000"/>
+              </a:schemeClr>
+            </a:gs>
+          </a:gsLst>
+          <a:lin ang="5400000" scaled="0"/>
+        </a:gradFill>
+        <a:gradFill rotWithShape="1">
+          <a:gsLst>
+            <a:gs pos="0">
+              <a:schemeClr val="phClr">
+                <a:satMod val="103000"/>
+                <a:lumMod val="102000"/>
+                <a:tint val="94000"/>
+              </a:schemeClr>
+            </a:gs>
+            <a:gs pos="50000">
+              <a:schemeClr val="phClr">
+                <a:satMod val="110000"/>
+                <a:lumMod val="100000"/>
+                <a:shade val="100000"/>
+              </a:schemeClr>
+            </a:gs>
+            <a:gs pos="100000">
+              <a:schemeClr val="phClr">
+                <a:lumMod val="99000"/>
+                <a:satMod val="120000"/>
+                <a:shade val="78000"/>
+              </a:schemeClr>
+            </a:gs>
+          </a:gsLst>
+          <a:lin ang="5400000" scaled="0"/>
+        </a:gradFill>
+      </a:fillStyleLst>
+      <a:lnStyleLst>
+        <a:ln w="12700" cap="flat" cmpd="sng" algn="ctr">
+          <a:solidFill>
+            <a:schemeClr val="phClr"/>
+          </a:solidFill>
+          <a:prstDash val="solid"/>
+          <a:miter lim="800000"/>
+        </a:ln>
+        <a:ln w="19050" cap="flat" cmpd="sng" algn="ctr">
+          <a:solidFill>
+            <a:schemeClr val="phClr"/>
+          </a:solidFill>
+          <a:prstDash val="solid"/>
+          <a:miter lim="800000"/>
+        </a:ln>
+        <a:ln w="25400" cap="flat" cmpd="sng" algn="ctr">
+          <a:solidFill>
+            <a:schemeClr val="phClr"/>
+          </a:solidFill>
+          <a:prstDash val="solid"/>
+          <a:miter lim="800000"/>
+        </a:ln>
+      </a:lnStyleLst>
+      <a:effectStyleLst>
+        <a:effectStyle>
+          <a:effectLst/>
+        </a:effectStyle>
+        <a:effectStyle>
+          <a:effectLst/>
+        </a:effectStyle>
+        <a:effectStyle>
+          <a:effectLst>
+            <a:outerShdw blurRad="57150" dist="19050" dir="5400000" algn="ctr" rotWithShape="0">
+              <a:srgbClr val="000000">
+                <a:alpha val="63000"/>
+              </a:srgbClr>
+            </a:outerShdw>
+          </a:effectLst>
+        </a:effectStyle>
+      </a:effectStyleLst>
+      <a:bgFillStyleLst>
+        <a:solidFill>
+          <a:schemeClr val="phClr"/>
+        </a:solidFill>
+        <a:solidFill>
+          <a:schemeClr val="phClr">
+            <a:tint val="95000"/>
+            <a:satMod val="170000"/>
+          </a:schemeClr>
+        </a:solidFill>
+        <a:gradFill rotWithShape="1">
+          <a:gsLst>
+            <a:gs pos="0">
+              <a:schemeClr val="phClr">
+                <a:tint val="93000"/>
+                <a:satMod val="150000"/>
+                <a:shade val="98000"/>
+                <a:lumMod val="102000"/>
+              </a:schemeClr>
+            </a:gs>
+            <a:gs pos="50000">
+              <a:schemeClr val="phClr">
+                <a:tint val="98000"/>
+                <a:satMod val="130000"/>
+                <a:shade val="90000"/>
+                <a:lumMod val="103000"/>
+              </a:schemeClr>
+            </a:gs>
+            <a:gs pos="100000">
+              <a:schemeClr val="phClr">
+                <a:shade val="63000"/>
+                <a:satMod val="120000"/>
+              </a:schemeClr>
+            </a:gs>
+          </a:gsLst>
+          <a:lin ang="5400000" scaled="0"/>
+        </a:gradFill>
+      </a:bgFillStyleLst>
+    </a:fmtScheme>
+  </a:themeElements>
+  <a:objectDefaults>
+    <a:spDef>
+      <a:spPr>
+        <a:solidFill>
+          <a:srgbClr val="B2B9FF"/>
+        </a:solidFill>
+        <a:ln>
+          <a:noFill/>
+        </a:ln>
+      </a:spPr>
+      <a:bodyPr rtlCol="0" anchor="ctr"/>
+      <a:lstStyle>
+        <a:defPPr algn="ctr">
+          <a:defRPr dirty="0" smtClean="0">
+            <a:solidFill>
+              <a:schemeClr val="tx1"/>
+            </a:solidFill>
+          </a:defRPr>
+        </a:defPPr>
+      </a:lstStyle>
+      <a:style>
+        <a:lnRef idx="2">
+          <a:schemeClr val="accent1">
+            <a:shade val="15000"/>
+          </a:schemeClr>
+        </a:lnRef>
+        <a:fillRef idx="1">
+          <a:schemeClr val="accent1"/>
+        </a:fillRef>
+        <a:effectRef idx="0">
+          <a:schemeClr val="accent1"/>
+        </a:effectRef>
+        <a:fontRef idx="minor">
+          <a:schemeClr val="lt1"/>
+        </a:fontRef>
+      </a:style>
+    </a:spDef>
+    <a:lnDef>
+      <a:spPr/>
+      <a:bodyPr/>
+      <a:lstStyle/>
+      <a:style>
+        <a:lnRef idx="2">
+          <a:schemeClr val="accent1"/>
+        </a:lnRef>
+        <a:fillRef idx="0">
+          <a:schemeClr val="accent1"/>
+        </a:fillRef>
+        <a:effectRef idx="1">
+          <a:schemeClr val="accent1"/>
+        </a:effectRef>
+        <a:fontRef idx="minor">
+          <a:schemeClr val="tx1"/>
+        </a:fontRef>
+      </a:style>
+    </a:lnDef>
+    <a:txDef>
+      <a:spPr>
+        <a:noFill/>
+      </a:spPr>
+      <a:bodyPr wrap="none" rtlCol="0">
+        <a:noAutofit/>
+      </a:bodyPr>
+      <a:lstStyle>
+        <a:defPPr algn="l">
+          <a:defRPr sz="1600" dirty="0" smtClean="0"/>
+        </a:defPPr>
+      </a:lstStyle>
+    </a:txDef>
+  </a:objectDefaults>
+  <a:extraClrSchemeLst/>
+  <a:extLst>
+    <a:ext uri="{05A4C25C-085E-4340-85A3-A5531E510DB2}">
+      <thm15:themeFamily xmlns:thm15="http://schemas.microsoft.com/office/thememl/2012/main" name="Theme1" id="{D133963E-B3D4-4069-A600-6C28BB6051E0}" vid="{1F4E5126-3E98-429D-A19D-1CD6428769A0}"/>
+    </a:ext>
+  </a:extLst>
+</a:theme>
+</file>
+
+<file path=ppt/theme/theme8.xml><?xml version="1.0" encoding="utf-8"?>
 <a:theme xmlns:a="http://schemas.openxmlformats.org/drawingml/2006/main" name="Thème Office">
   <a:themeElements>
     <a:clrScheme name="Office">
